--- a/S3.2-CLI_Integration.pptx
+++ b/S3.2-CLI_Integration.pptx
@@ -6,7 +6,7 @@
     <p:sldMasterId id="2147483732" r:id="rId2"/>
   </p:sldMasterIdLst>
   <p:notesMasterIdLst>
-    <p:notesMasterId r:id="rId8"/>
+    <p:notesMasterId r:id="rId9"/>
   </p:notesMasterIdLst>
   <p:sldIdLst>
     <p:sldId id="335" r:id="rId3"/>
@@ -14,6 +14,7 @@
     <p:sldId id="338" r:id="rId5"/>
     <p:sldId id="339" r:id="rId6"/>
     <p:sldId id="337" r:id="rId7"/>
+    <p:sldId id="340" r:id="rId8"/>
   </p:sldIdLst>
   <p:sldSz cx="9144000" cy="6858000" type="screen4x3"/>
   <p:notesSz cx="7077075" cy="9051925"/>
@@ -115,6 +116,2902 @@
 </p:presentation>
 </file>
 
+<file path=ppt/diagrams/colors1.xml><?xml version="1.0" encoding="utf-8"?>
+<dgm:colorsDef xmlns:dgm="http://schemas.openxmlformats.org/drawingml/2006/diagram" xmlns:a="http://schemas.openxmlformats.org/drawingml/2006/main" uniqueId="urn:microsoft.com/office/officeart/2005/8/colors/colorful1">
+  <dgm:title val=""/>
+  <dgm:desc val=""/>
+  <dgm:catLst>
+    <dgm:cat type="colorful" pri="10100"/>
+  </dgm:catLst>
+  <dgm:styleLbl name="node0">
+    <dgm:fillClrLst meth="repeat">
+      <a:schemeClr val="accent1"/>
+    </dgm:fillClrLst>
+    <dgm:linClrLst meth="repeat">
+      <a:schemeClr val="lt1"/>
+    </dgm:linClrLst>
+    <dgm:effectClrLst/>
+    <dgm:txLinClrLst/>
+    <dgm:txFillClrLst/>
+    <dgm:txEffectClrLst/>
+  </dgm:styleLbl>
+  <dgm:styleLbl name="node1">
+    <dgm:fillClrLst meth="repeat">
+      <a:schemeClr val="accent2"/>
+      <a:schemeClr val="accent3"/>
+      <a:schemeClr val="accent4"/>
+      <a:schemeClr val="accent5"/>
+      <a:schemeClr val="accent6"/>
+    </dgm:fillClrLst>
+    <dgm:linClrLst meth="repeat">
+      <a:schemeClr val="lt1"/>
+    </dgm:linClrLst>
+    <dgm:effectClrLst/>
+    <dgm:txLinClrLst/>
+    <dgm:txFillClrLst/>
+    <dgm:txEffectClrLst/>
+  </dgm:styleLbl>
+  <dgm:styleLbl name="alignNode1">
+    <dgm:fillClrLst meth="repeat">
+      <a:schemeClr val="accent2"/>
+      <a:schemeClr val="accent3"/>
+      <a:schemeClr val="accent4"/>
+      <a:schemeClr val="accent5"/>
+      <a:schemeClr val="accent6"/>
+    </dgm:fillClrLst>
+    <dgm:linClrLst meth="repeat">
+      <a:schemeClr val="accent2"/>
+      <a:schemeClr val="accent3"/>
+      <a:schemeClr val="accent4"/>
+      <a:schemeClr val="accent5"/>
+      <a:schemeClr val="accent6"/>
+    </dgm:linClrLst>
+    <dgm:effectClrLst/>
+    <dgm:txLinClrLst/>
+    <dgm:txFillClrLst/>
+    <dgm:txEffectClrLst/>
+  </dgm:styleLbl>
+  <dgm:styleLbl name="lnNode1">
+    <dgm:fillClrLst meth="repeat">
+      <a:schemeClr val="accent2"/>
+      <a:schemeClr val="accent3"/>
+      <a:schemeClr val="accent4"/>
+      <a:schemeClr val="accent5"/>
+      <a:schemeClr val="accent6"/>
+    </dgm:fillClrLst>
+    <dgm:linClrLst meth="repeat">
+      <a:schemeClr val="lt1"/>
+    </dgm:linClrLst>
+    <dgm:effectClrLst/>
+    <dgm:txLinClrLst/>
+    <dgm:txFillClrLst/>
+    <dgm:txEffectClrLst/>
+  </dgm:styleLbl>
+  <dgm:styleLbl name="vennNode1">
+    <dgm:fillClrLst meth="repeat">
+      <a:schemeClr val="accent2">
+        <a:alpha val="50000"/>
+      </a:schemeClr>
+      <a:schemeClr val="accent3">
+        <a:alpha val="50000"/>
+      </a:schemeClr>
+      <a:schemeClr val="accent4">
+        <a:alpha val="50000"/>
+      </a:schemeClr>
+      <a:schemeClr val="accent5">
+        <a:alpha val="50000"/>
+      </a:schemeClr>
+      <a:schemeClr val="accent6">
+        <a:alpha val="50000"/>
+      </a:schemeClr>
+    </dgm:fillClrLst>
+    <dgm:linClrLst meth="repeat">
+      <a:schemeClr val="lt1"/>
+    </dgm:linClrLst>
+    <dgm:effectClrLst/>
+    <dgm:txLinClrLst/>
+    <dgm:txFillClrLst/>
+    <dgm:txEffectClrLst/>
+  </dgm:styleLbl>
+  <dgm:styleLbl name="node2">
+    <dgm:fillClrLst>
+      <a:schemeClr val="accent2"/>
+    </dgm:fillClrLst>
+    <dgm:linClrLst meth="repeat">
+      <a:schemeClr val="lt1"/>
+    </dgm:linClrLst>
+    <dgm:effectClrLst/>
+    <dgm:txLinClrLst/>
+    <dgm:txFillClrLst/>
+    <dgm:txEffectClrLst/>
+  </dgm:styleLbl>
+  <dgm:styleLbl name="node3">
+    <dgm:fillClrLst>
+      <a:schemeClr val="accent3"/>
+    </dgm:fillClrLst>
+    <dgm:linClrLst meth="repeat">
+      <a:schemeClr val="lt1"/>
+    </dgm:linClrLst>
+    <dgm:effectClrLst/>
+    <dgm:txLinClrLst/>
+    <dgm:txFillClrLst/>
+    <dgm:txEffectClrLst/>
+  </dgm:styleLbl>
+  <dgm:styleLbl name="node4">
+    <dgm:fillClrLst>
+      <a:schemeClr val="accent4"/>
+    </dgm:fillClrLst>
+    <dgm:linClrLst meth="repeat">
+      <a:schemeClr val="lt1"/>
+    </dgm:linClrLst>
+    <dgm:effectClrLst/>
+    <dgm:txLinClrLst/>
+    <dgm:txFillClrLst/>
+    <dgm:txEffectClrLst/>
+  </dgm:styleLbl>
+  <dgm:styleLbl name="fgImgPlace1">
+    <dgm:fillClrLst meth="repeat">
+      <a:schemeClr val="accent2">
+        <a:tint val="50000"/>
+      </a:schemeClr>
+      <a:schemeClr val="accent3">
+        <a:tint val="50000"/>
+      </a:schemeClr>
+      <a:schemeClr val="accent4">
+        <a:tint val="50000"/>
+      </a:schemeClr>
+      <a:schemeClr val="accent5">
+        <a:tint val="50000"/>
+      </a:schemeClr>
+      <a:schemeClr val="accent6">
+        <a:tint val="50000"/>
+      </a:schemeClr>
+    </dgm:fillClrLst>
+    <dgm:linClrLst meth="repeat">
+      <a:schemeClr val="lt1"/>
+    </dgm:linClrLst>
+    <dgm:effectClrLst/>
+    <dgm:txLinClrLst/>
+    <dgm:txFillClrLst meth="repeat">
+      <a:schemeClr val="lt1"/>
+    </dgm:txFillClrLst>
+    <dgm:txEffectClrLst/>
+  </dgm:styleLbl>
+  <dgm:styleLbl name="alignImgPlace1">
+    <dgm:fillClrLst>
+      <a:schemeClr val="accent1">
+        <a:tint val="50000"/>
+      </a:schemeClr>
+      <a:schemeClr val="accent2">
+        <a:tint val="20000"/>
+      </a:schemeClr>
+    </dgm:fillClrLst>
+    <dgm:linClrLst meth="repeat">
+      <a:schemeClr val="lt1"/>
+    </dgm:linClrLst>
+    <dgm:effectClrLst/>
+    <dgm:txLinClrLst/>
+    <dgm:txFillClrLst meth="repeat">
+      <a:schemeClr val="lt1"/>
+    </dgm:txFillClrLst>
+    <dgm:txEffectClrLst/>
+  </dgm:styleLbl>
+  <dgm:styleLbl name="bgImgPlace1">
+    <dgm:fillClrLst>
+      <a:schemeClr val="accent1">
+        <a:tint val="50000"/>
+      </a:schemeClr>
+      <a:schemeClr val="accent2">
+        <a:tint val="20000"/>
+      </a:schemeClr>
+    </dgm:fillClrLst>
+    <dgm:linClrLst meth="repeat">
+      <a:schemeClr val="lt1"/>
+    </dgm:linClrLst>
+    <dgm:effectClrLst/>
+    <dgm:txLinClrLst/>
+    <dgm:txFillClrLst meth="repeat">
+      <a:schemeClr val="lt1"/>
+    </dgm:txFillClrLst>
+    <dgm:txEffectClrLst/>
+  </dgm:styleLbl>
+  <dgm:styleLbl name="sibTrans2D1">
+    <dgm:fillClrLst meth="repeat">
+      <a:schemeClr val="accent2"/>
+      <a:schemeClr val="accent3"/>
+      <a:schemeClr val="accent4"/>
+      <a:schemeClr val="accent5"/>
+      <a:schemeClr val="accent6"/>
+    </dgm:fillClrLst>
+    <dgm:linClrLst meth="cycle">
+      <a:schemeClr val="lt1"/>
+    </dgm:linClrLst>
+    <dgm:effectClrLst/>
+    <dgm:txLinClrLst/>
+    <dgm:txFillClrLst/>
+    <dgm:txEffectClrLst/>
+  </dgm:styleLbl>
+  <dgm:styleLbl name="fgSibTrans2D1">
+    <dgm:fillClrLst meth="repeat">
+      <a:schemeClr val="accent2"/>
+      <a:schemeClr val="accent3"/>
+      <a:schemeClr val="accent4"/>
+      <a:schemeClr val="accent5"/>
+      <a:schemeClr val="accent6"/>
+    </dgm:fillClrLst>
+    <dgm:linClrLst meth="cycle">
+      <a:schemeClr val="lt1"/>
+    </dgm:linClrLst>
+    <dgm:effectClrLst/>
+    <dgm:txLinClrLst/>
+    <dgm:txFillClrLst meth="repeat">
+      <a:schemeClr val="lt1"/>
+    </dgm:txFillClrLst>
+    <dgm:txEffectClrLst/>
+  </dgm:styleLbl>
+  <dgm:styleLbl name="bgSibTrans2D1">
+    <dgm:fillClrLst meth="repeat">
+      <a:schemeClr val="accent2"/>
+      <a:schemeClr val="accent3"/>
+      <a:schemeClr val="accent4"/>
+      <a:schemeClr val="accent5"/>
+      <a:schemeClr val="accent6"/>
+    </dgm:fillClrLst>
+    <dgm:linClrLst meth="cycle">
+      <a:schemeClr val="lt1"/>
+    </dgm:linClrLst>
+    <dgm:effectClrLst/>
+    <dgm:txLinClrLst/>
+    <dgm:txFillClrLst meth="repeat">
+      <a:schemeClr val="lt1"/>
+    </dgm:txFillClrLst>
+    <dgm:txEffectClrLst/>
+  </dgm:styleLbl>
+  <dgm:styleLbl name="sibTrans1D1">
+    <dgm:fillClrLst meth="repeat">
+      <a:schemeClr val="accent2"/>
+      <a:schemeClr val="accent3"/>
+      <a:schemeClr val="accent4"/>
+      <a:schemeClr val="accent5"/>
+      <a:schemeClr val="accent6"/>
+    </dgm:fillClrLst>
+    <dgm:linClrLst meth="repeat">
+      <a:schemeClr val="accent2"/>
+      <a:schemeClr val="accent3"/>
+      <a:schemeClr val="accent4"/>
+      <a:schemeClr val="accent5"/>
+      <a:schemeClr val="accent6"/>
+    </dgm:linClrLst>
+    <dgm:effectClrLst/>
+    <dgm:txLinClrLst/>
+    <dgm:txFillClrLst meth="repeat">
+      <a:schemeClr val="tx1"/>
+    </dgm:txFillClrLst>
+    <dgm:txEffectClrLst/>
+  </dgm:styleLbl>
+  <dgm:styleLbl name="callout">
+    <dgm:fillClrLst meth="repeat">
+      <a:schemeClr val="accent2"/>
+    </dgm:fillClrLst>
+    <dgm:linClrLst meth="repeat">
+      <a:schemeClr val="accent2">
+        <a:tint val="50000"/>
+      </a:schemeClr>
+    </dgm:linClrLst>
+    <dgm:effectClrLst/>
+    <dgm:txLinClrLst/>
+    <dgm:txFillClrLst meth="repeat">
+      <a:schemeClr val="tx1"/>
+    </dgm:txFillClrLst>
+    <dgm:txEffectClrLst/>
+  </dgm:styleLbl>
+  <dgm:styleLbl name="asst0">
+    <dgm:fillClrLst meth="repeat">
+      <a:schemeClr val="accent1"/>
+    </dgm:fillClrLst>
+    <dgm:linClrLst meth="repeat">
+      <a:schemeClr val="lt1"/>
+    </dgm:linClrLst>
+    <dgm:effectClrLst/>
+    <dgm:txLinClrLst/>
+    <dgm:txFillClrLst/>
+    <dgm:txEffectClrLst/>
+  </dgm:styleLbl>
+  <dgm:styleLbl name="asst1">
+    <dgm:fillClrLst meth="repeat">
+      <a:schemeClr val="accent2"/>
+    </dgm:fillClrLst>
+    <dgm:linClrLst meth="repeat">
+      <a:schemeClr val="lt1"/>
+    </dgm:linClrLst>
+    <dgm:effectClrLst/>
+    <dgm:txLinClrLst/>
+    <dgm:txFillClrLst/>
+    <dgm:txEffectClrLst/>
+  </dgm:styleLbl>
+  <dgm:styleLbl name="asst2">
+    <dgm:fillClrLst>
+      <a:schemeClr val="accent3"/>
+    </dgm:fillClrLst>
+    <dgm:linClrLst meth="repeat">
+      <a:schemeClr val="lt1"/>
+    </dgm:linClrLst>
+    <dgm:effectClrLst/>
+    <dgm:txLinClrLst/>
+    <dgm:txFillClrLst/>
+    <dgm:txEffectClrLst/>
+  </dgm:styleLbl>
+  <dgm:styleLbl name="asst3">
+    <dgm:fillClrLst>
+      <a:schemeClr val="accent4"/>
+    </dgm:fillClrLst>
+    <dgm:linClrLst meth="repeat">
+      <a:schemeClr val="lt1"/>
+    </dgm:linClrLst>
+    <dgm:effectClrLst/>
+    <dgm:txLinClrLst/>
+    <dgm:txFillClrLst/>
+    <dgm:txEffectClrLst/>
+  </dgm:styleLbl>
+  <dgm:styleLbl name="asst4">
+    <dgm:fillClrLst>
+      <a:schemeClr val="accent5"/>
+    </dgm:fillClrLst>
+    <dgm:linClrLst meth="repeat">
+      <a:schemeClr val="lt1"/>
+    </dgm:linClrLst>
+    <dgm:effectClrLst/>
+    <dgm:txLinClrLst/>
+    <dgm:txFillClrLst/>
+    <dgm:txEffectClrLst/>
+  </dgm:styleLbl>
+  <dgm:styleLbl name="parChTrans2D1">
+    <dgm:fillClrLst meth="repeat">
+      <a:schemeClr val="accent2"/>
+    </dgm:fillClrLst>
+    <dgm:linClrLst meth="repeat">
+      <a:schemeClr val="lt1"/>
+    </dgm:linClrLst>
+    <dgm:effectClrLst/>
+    <dgm:txLinClrLst/>
+    <dgm:txFillClrLst meth="repeat">
+      <a:schemeClr val="lt1"/>
+    </dgm:txFillClrLst>
+    <dgm:txEffectClrLst/>
+  </dgm:styleLbl>
+  <dgm:styleLbl name="parChTrans2D2">
+    <dgm:fillClrLst meth="repeat">
+      <a:schemeClr val="accent3"/>
+    </dgm:fillClrLst>
+    <dgm:linClrLst meth="repeat">
+      <a:schemeClr val="lt1"/>
+    </dgm:linClrLst>
+    <dgm:effectClrLst/>
+    <dgm:txLinClrLst/>
+    <dgm:txFillClrLst/>
+    <dgm:txEffectClrLst/>
+  </dgm:styleLbl>
+  <dgm:styleLbl name="parChTrans2D3">
+    <dgm:fillClrLst meth="repeat">
+      <a:schemeClr val="accent4"/>
+    </dgm:fillClrLst>
+    <dgm:linClrLst meth="repeat">
+      <a:schemeClr val="lt1"/>
+    </dgm:linClrLst>
+    <dgm:effectClrLst/>
+    <dgm:txLinClrLst/>
+    <dgm:txFillClrLst/>
+    <dgm:txEffectClrLst/>
+  </dgm:styleLbl>
+  <dgm:styleLbl name="parChTrans2D4">
+    <dgm:fillClrLst meth="repeat">
+      <a:schemeClr val="accent5"/>
+    </dgm:fillClrLst>
+    <dgm:linClrLst meth="repeat">
+      <a:schemeClr val="lt1"/>
+    </dgm:linClrLst>
+    <dgm:effectClrLst/>
+    <dgm:txLinClrLst/>
+    <dgm:txFillClrLst meth="repeat">
+      <a:schemeClr val="lt1"/>
+    </dgm:txFillClrLst>
+    <dgm:txEffectClrLst/>
+  </dgm:styleLbl>
+  <dgm:styleLbl name="parChTrans1D1">
+    <dgm:fillClrLst meth="repeat">
+      <a:schemeClr val="accent2"/>
+    </dgm:fillClrLst>
+    <dgm:linClrLst meth="repeat">
+      <a:schemeClr val="accent1"/>
+    </dgm:linClrLst>
+    <dgm:effectClrLst/>
+    <dgm:txLinClrLst/>
+    <dgm:txFillClrLst meth="repeat">
+      <a:schemeClr val="tx1"/>
+    </dgm:txFillClrLst>
+    <dgm:txEffectClrLst/>
+  </dgm:styleLbl>
+  <dgm:styleLbl name="parChTrans1D2">
+    <dgm:fillClrLst meth="repeat">
+      <a:schemeClr val="accent3">
+        <a:tint val="90000"/>
+      </a:schemeClr>
+    </dgm:fillClrLst>
+    <dgm:linClrLst meth="repeat">
+      <a:schemeClr val="accent2"/>
+    </dgm:linClrLst>
+    <dgm:effectClrLst/>
+    <dgm:txLinClrLst/>
+    <dgm:txFillClrLst meth="repeat">
+      <a:schemeClr val="tx1"/>
+    </dgm:txFillClrLst>
+    <dgm:txEffectClrLst/>
+  </dgm:styleLbl>
+  <dgm:styleLbl name="parChTrans1D3">
+    <dgm:fillClrLst meth="repeat">
+      <a:schemeClr val="accent4">
+        <a:tint val="70000"/>
+      </a:schemeClr>
+    </dgm:fillClrLst>
+    <dgm:linClrLst meth="repeat">
+      <a:schemeClr val="accent3"/>
+    </dgm:linClrLst>
+    <dgm:effectClrLst/>
+    <dgm:txLinClrLst/>
+    <dgm:txFillClrLst meth="repeat">
+      <a:schemeClr val="tx1"/>
+    </dgm:txFillClrLst>
+    <dgm:txEffectClrLst/>
+  </dgm:styleLbl>
+  <dgm:styleLbl name="parChTrans1D4">
+    <dgm:fillClrLst meth="repeat">
+      <a:schemeClr val="accent5">
+        <a:tint val="50000"/>
+      </a:schemeClr>
+    </dgm:fillClrLst>
+    <dgm:linClrLst meth="repeat">
+      <a:schemeClr val="accent4"/>
+    </dgm:linClrLst>
+    <dgm:effectClrLst/>
+    <dgm:txLinClrLst/>
+    <dgm:txFillClrLst meth="repeat">
+      <a:schemeClr val="tx1"/>
+    </dgm:txFillClrLst>
+    <dgm:txEffectClrLst/>
+  </dgm:styleLbl>
+  <dgm:styleLbl name="fgAcc1">
+    <dgm:fillClrLst meth="repeat">
+      <a:schemeClr val="lt1">
+        <a:alpha val="90000"/>
+      </a:schemeClr>
+    </dgm:fillClrLst>
+    <dgm:linClrLst meth="repeat">
+      <a:schemeClr val="accent2"/>
+      <a:schemeClr val="accent3"/>
+      <a:schemeClr val="accent4"/>
+      <a:schemeClr val="accent5"/>
+      <a:schemeClr val="accent6"/>
+    </dgm:linClrLst>
+    <dgm:effectClrLst/>
+    <dgm:txLinClrLst/>
+    <dgm:txFillClrLst meth="repeat">
+      <a:schemeClr val="dk1"/>
+    </dgm:txFillClrLst>
+    <dgm:txEffectClrLst/>
+  </dgm:styleLbl>
+  <dgm:styleLbl name="conFgAcc1">
+    <dgm:fillClrLst meth="repeat">
+      <a:schemeClr val="lt1">
+        <a:alpha val="90000"/>
+      </a:schemeClr>
+    </dgm:fillClrLst>
+    <dgm:linClrLst meth="repeat">
+      <a:schemeClr val="accent2"/>
+      <a:schemeClr val="accent3"/>
+      <a:schemeClr val="accent4"/>
+      <a:schemeClr val="accent5"/>
+      <a:schemeClr val="accent6"/>
+    </dgm:linClrLst>
+    <dgm:effectClrLst/>
+    <dgm:txLinClrLst/>
+    <dgm:txFillClrLst meth="repeat">
+      <a:schemeClr val="dk1"/>
+    </dgm:txFillClrLst>
+    <dgm:txEffectClrLst/>
+  </dgm:styleLbl>
+  <dgm:styleLbl name="alignAcc1">
+    <dgm:fillClrLst meth="repeat">
+      <a:schemeClr val="lt1">
+        <a:alpha val="90000"/>
+      </a:schemeClr>
+    </dgm:fillClrLst>
+    <dgm:linClrLst meth="repeat">
+      <a:schemeClr val="accent2"/>
+      <a:schemeClr val="accent3"/>
+      <a:schemeClr val="accent4"/>
+      <a:schemeClr val="accent5"/>
+      <a:schemeClr val="accent6"/>
+    </dgm:linClrLst>
+    <dgm:effectClrLst/>
+    <dgm:txLinClrLst/>
+    <dgm:txFillClrLst meth="repeat">
+      <a:schemeClr val="dk1"/>
+    </dgm:txFillClrLst>
+    <dgm:txEffectClrLst/>
+  </dgm:styleLbl>
+  <dgm:styleLbl name="trAlignAcc1">
+    <dgm:fillClrLst meth="repeat">
+      <a:schemeClr val="lt1">
+        <a:alpha val="40000"/>
+      </a:schemeClr>
+    </dgm:fillClrLst>
+    <dgm:linClrLst meth="repeat">
+      <a:schemeClr val="accent1"/>
+    </dgm:linClrLst>
+    <dgm:effectClrLst/>
+    <dgm:txLinClrLst/>
+    <dgm:txFillClrLst meth="repeat">
+      <a:schemeClr val="dk1"/>
+    </dgm:txFillClrLst>
+    <dgm:txEffectClrLst/>
+  </dgm:styleLbl>
+  <dgm:styleLbl name="bgAcc1">
+    <dgm:fillClrLst meth="repeat">
+      <a:schemeClr val="lt1">
+        <a:alpha val="90000"/>
+      </a:schemeClr>
+    </dgm:fillClrLst>
+    <dgm:linClrLst meth="repeat">
+      <a:schemeClr val="accent2"/>
+      <a:schemeClr val="accent3"/>
+      <a:schemeClr val="accent4"/>
+      <a:schemeClr val="accent5"/>
+      <a:schemeClr val="accent6"/>
+    </dgm:linClrLst>
+    <dgm:effectClrLst/>
+    <dgm:txLinClrLst/>
+    <dgm:txFillClrLst meth="repeat">
+      <a:schemeClr val="dk1"/>
+    </dgm:txFillClrLst>
+    <dgm:txEffectClrLst/>
+  </dgm:styleLbl>
+  <dgm:styleLbl name="solidFgAcc1">
+    <dgm:fillClrLst meth="repeat">
+      <a:schemeClr val="lt1"/>
+    </dgm:fillClrLst>
+    <dgm:linClrLst meth="repeat">
+      <a:schemeClr val="accent2"/>
+      <a:schemeClr val="accent3"/>
+      <a:schemeClr val="accent4"/>
+      <a:schemeClr val="accent5"/>
+      <a:schemeClr val="accent6"/>
+    </dgm:linClrLst>
+    <dgm:effectClrLst/>
+    <dgm:txLinClrLst/>
+    <dgm:txFillClrLst meth="repeat">
+      <a:schemeClr val="dk1"/>
+    </dgm:txFillClrLst>
+    <dgm:txEffectClrLst/>
+  </dgm:styleLbl>
+  <dgm:styleLbl name="solidAlignAcc1">
+    <dgm:fillClrLst meth="repeat">
+      <a:schemeClr val="lt1"/>
+    </dgm:fillClrLst>
+    <dgm:linClrLst meth="repeat">
+      <a:schemeClr val="accent2"/>
+      <a:schemeClr val="accent3"/>
+      <a:schemeClr val="accent4"/>
+      <a:schemeClr val="accent5"/>
+      <a:schemeClr val="accent6"/>
+    </dgm:linClrLst>
+    <dgm:effectClrLst/>
+    <dgm:txLinClrLst/>
+    <dgm:txFillClrLst meth="repeat">
+      <a:schemeClr val="dk1"/>
+    </dgm:txFillClrLst>
+    <dgm:txEffectClrLst/>
+  </dgm:styleLbl>
+  <dgm:styleLbl name="solidBgAcc1">
+    <dgm:fillClrLst meth="repeat">
+      <a:schemeClr val="lt1"/>
+    </dgm:fillClrLst>
+    <dgm:linClrLst meth="repeat">
+      <a:schemeClr val="accent2"/>
+      <a:schemeClr val="accent3"/>
+      <a:schemeClr val="accent4"/>
+      <a:schemeClr val="accent5"/>
+      <a:schemeClr val="accent6"/>
+    </dgm:linClrLst>
+    <dgm:effectClrLst/>
+    <dgm:txLinClrLst/>
+    <dgm:txFillClrLst meth="repeat">
+      <a:schemeClr val="dk1"/>
+    </dgm:txFillClrLst>
+    <dgm:txEffectClrLst/>
+  </dgm:styleLbl>
+  <dgm:styleLbl name="fgAccFollowNode1">
+    <dgm:fillClrLst meth="repeat">
+      <a:schemeClr val="accent2">
+        <a:tint val="40000"/>
+        <a:alpha val="90000"/>
+      </a:schemeClr>
+      <a:schemeClr val="accent3">
+        <a:tint val="40000"/>
+        <a:alpha val="90000"/>
+      </a:schemeClr>
+      <a:schemeClr val="accent4">
+        <a:tint val="40000"/>
+        <a:alpha val="90000"/>
+      </a:schemeClr>
+      <a:schemeClr val="accent5">
+        <a:tint val="40000"/>
+        <a:alpha val="90000"/>
+      </a:schemeClr>
+      <a:schemeClr val="accent6">
+        <a:tint val="40000"/>
+        <a:alpha val="90000"/>
+      </a:schemeClr>
+    </dgm:fillClrLst>
+    <dgm:linClrLst meth="repeat">
+      <a:schemeClr val="accent2">
+        <a:tint val="40000"/>
+        <a:alpha val="90000"/>
+      </a:schemeClr>
+      <a:schemeClr val="accent3">
+        <a:tint val="40000"/>
+        <a:alpha val="90000"/>
+      </a:schemeClr>
+      <a:schemeClr val="accent4">
+        <a:tint val="40000"/>
+        <a:alpha val="90000"/>
+      </a:schemeClr>
+      <a:schemeClr val="accent5">
+        <a:tint val="40000"/>
+        <a:alpha val="90000"/>
+      </a:schemeClr>
+      <a:schemeClr val="accent6">
+        <a:tint val="40000"/>
+        <a:alpha val="90000"/>
+      </a:schemeClr>
+    </dgm:linClrLst>
+    <dgm:effectClrLst/>
+    <dgm:txLinClrLst/>
+    <dgm:txFillClrLst meth="repeat">
+      <a:schemeClr val="dk1"/>
+    </dgm:txFillClrLst>
+    <dgm:txEffectClrLst/>
+  </dgm:styleLbl>
+  <dgm:styleLbl name="alignAccFollowNode1">
+    <dgm:fillClrLst meth="repeat">
+      <a:schemeClr val="accent2">
+        <a:tint val="40000"/>
+        <a:alpha val="90000"/>
+      </a:schemeClr>
+      <a:schemeClr val="accent3">
+        <a:tint val="40000"/>
+        <a:alpha val="90000"/>
+      </a:schemeClr>
+      <a:schemeClr val="accent4">
+        <a:tint val="40000"/>
+        <a:alpha val="90000"/>
+      </a:schemeClr>
+      <a:schemeClr val="accent5">
+        <a:tint val="40000"/>
+        <a:alpha val="90000"/>
+      </a:schemeClr>
+      <a:schemeClr val="accent6">
+        <a:tint val="40000"/>
+        <a:alpha val="90000"/>
+      </a:schemeClr>
+    </dgm:fillClrLst>
+    <dgm:linClrLst meth="repeat">
+      <a:schemeClr val="accent2">
+        <a:tint val="40000"/>
+        <a:alpha val="90000"/>
+      </a:schemeClr>
+      <a:schemeClr val="accent3">
+        <a:tint val="40000"/>
+        <a:alpha val="90000"/>
+      </a:schemeClr>
+      <a:schemeClr val="accent4">
+        <a:tint val="40000"/>
+        <a:alpha val="90000"/>
+      </a:schemeClr>
+      <a:schemeClr val="accent5">
+        <a:tint val="40000"/>
+        <a:alpha val="90000"/>
+      </a:schemeClr>
+      <a:schemeClr val="accent6">
+        <a:tint val="40000"/>
+        <a:alpha val="90000"/>
+      </a:schemeClr>
+    </dgm:linClrLst>
+    <dgm:effectClrLst/>
+    <dgm:txLinClrLst/>
+    <dgm:txFillClrLst meth="repeat">
+      <a:schemeClr val="dk1"/>
+    </dgm:txFillClrLst>
+    <dgm:txEffectClrLst/>
+  </dgm:styleLbl>
+  <dgm:styleLbl name="bgAccFollowNode1">
+    <dgm:fillClrLst meth="repeat">
+      <a:schemeClr val="accent2">
+        <a:tint val="40000"/>
+        <a:alpha val="90000"/>
+      </a:schemeClr>
+      <a:schemeClr val="accent3">
+        <a:tint val="40000"/>
+        <a:alpha val="90000"/>
+      </a:schemeClr>
+      <a:schemeClr val="accent4">
+        <a:tint val="40000"/>
+        <a:alpha val="90000"/>
+      </a:schemeClr>
+      <a:schemeClr val="accent5">
+        <a:tint val="40000"/>
+        <a:alpha val="90000"/>
+      </a:schemeClr>
+      <a:schemeClr val="accent6">
+        <a:tint val="40000"/>
+        <a:alpha val="90000"/>
+      </a:schemeClr>
+    </dgm:fillClrLst>
+    <dgm:linClrLst meth="repeat">
+      <a:schemeClr val="accent2">
+        <a:tint val="40000"/>
+        <a:alpha val="90000"/>
+      </a:schemeClr>
+      <a:schemeClr val="accent3">
+        <a:tint val="40000"/>
+        <a:alpha val="90000"/>
+      </a:schemeClr>
+      <a:schemeClr val="accent4">
+        <a:tint val="40000"/>
+        <a:alpha val="90000"/>
+      </a:schemeClr>
+      <a:schemeClr val="accent5">
+        <a:tint val="40000"/>
+        <a:alpha val="90000"/>
+      </a:schemeClr>
+      <a:schemeClr val="accent6">
+        <a:tint val="40000"/>
+        <a:alpha val="90000"/>
+      </a:schemeClr>
+    </dgm:linClrLst>
+    <dgm:effectClrLst/>
+    <dgm:txLinClrLst/>
+    <dgm:txFillClrLst meth="repeat">
+      <a:schemeClr val="dk1"/>
+    </dgm:txFillClrLst>
+    <dgm:txEffectClrLst/>
+  </dgm:styleLbl>
+  <dgm:styleLbl name="fgAcc0">
+    <dgm:fillClrLst meth="repeat">
+      <a:schemeClr val="lt1">
+        <a:alpha val="90000"/>
+      </a:schemeClr>
+    </dgm:fillClrLst>
+    <dgm:linClrLst>
+      <a:schemeClr val="accent1"/>
+    </dgm:linClrLst>
+    <dgm:effectClrLst/>
+    <dgm:txLinClrLst/>
+    <dgm:txFillClrLst meth="repeat">
+      <a:schemeClr val="dk1"/>
+    </dgm:txFillClrLst>
+    <dgm:txEffectClrLst/>
+  </dgm:styleLbl>
+  <dgm:styleLbl name="fgAcc2">
+    <dgm:fillClrLst meth="repeat">
+      <a:schemeClr val="lt1">
+        <a:alpha val="90000"/>
+      </a:schemeClr>
+    </dgm:fillClrLst>
+    <dgm:linClrLst>
+      <a:schemeClr val="accent2"/>
+    </dgm:linClrLst>
+    <dgm:effectClrLst/>
+    <dgm:txLinClrLst/>
+    <dgm:txFillClrLst meth="repeat">
+      <a:schemeClr val="dk1"/>
+    </dgm:txFillClrLst>
+    <dgm:txEffectClrLst/>
+  </dgm:styleLbl>
+  <dgm:styleLbl name="fgAcc3">
+    <dgm:fillClrLst meth="repeat">
+      <a:schemeClr val="lt1">
+        <a:alpha val="90000"/>
+      </a:schemeClr>
+    </dgm:fillClrLst>
+    <dgm:linClrLst>
+      <a:schemeClr val="accent3"/>
+    </dgm:linClrLst>
+    <dgm:effectClrLst/>
+    <dgm:txLinClrLst/>
+    <dgm:txFillClrLst meth="repeat">
+      <a:schemeClr val="dk1"/>
+    </dgm:txFillClrLst>
+    <dgm:txEffectClrLst/>
+  </dgm:styleLbl>
+  <dgm:styleLbl name="fgAcc4">
+    <dgm:fillClrLst meth="repeat">
+      <a:schemeClr val="lt1">
+        <a:alpha val="90000"/>
+      </a:schemeClr>
+    </dgm:fillClrLst>
+    <dgm:linClrLst>
+      <a:schemeClr val="accent4"/>
+    </dgm:linClrLst>
+    <dgm:effectClrLst/>
+    <dgm:txLinClrLst/>
+    <dgm:txFillClrLst meth="repeat">
+      <a:schemeClr val="dk1"/>
+    </dgm:txFillClrLst>
+    <dgm:txEffectClrLst/>
+  </dgm:styleLbl>
+  <dgm:styleLbl name="bgShp">
+    <dgm:fillClrLst meth="repeat">
+      <a:schemeClr val="accent2">
+        <a:tint val="40000"/>
+      </a:schemeClr>
+    </dgm:fillClrLst>
+    <dgm:linClrLst meth="repeat">
+      <a:schemeClr val="dk1"/>
+    </dgm:linClrLst>
+    <dgm:effectClrLst/>
+    <dgm:txLinClrLst/>
+    <dgm:txFillClrLst meth="repeat">
+      <a:schemeClr val="dk1"/>
+    </dgm:txFillClrLst>
+    <dgm:txEffectClrLst/>
+  </dgm:styleLbl>
+  <dgm:styleLbl name="dkBgShp">
+    <dgm:fillClrLst meth="repeat">
+      <a:schemeClr val="accent2">
+        <a:shade val="90000"/>
+      </a:schemeClr>
+    </dgm:fillClrLst>
+    <dgm:linClrLst meth="repeat">
+      <a:schemeClr val="dk1"/>
+    </dgm:linClrLst>
+    <dgm:effectClrLst/>
+    <dgm:txLinClrLst/>
+    <dgm:txFillClrLst meth="repeat">
+      <a:schemeClr val="lt1"/>
+    </dgm:txFillClrLst>
+    <dgm:txEffectClrLst/>
+  </dgm:styleLbl>
+  <dgm:styleLbl name="trBgShp">
+    <dgm:fillClrLst meth="repeat">
+      <a:schemeClr val="accent1">
+        <a:tint val="50000"/>
+        <a:alpha val="40000"/>
+      </a:schemeClr>
+    </dgm:fillClrLst>
+    <dgm:linClrLst meth="repeat">
+      <a:schemeClr val="accent2"/>
+    </dgm:linClrLst>
+    <dgm:effectClrLst/>
+    <dgm:txLinClrLst/>
+    <dgm:txFillClrLst meth="repeat">
+      <a:schemeClr val="lt1"/>
+    </dgm:txFillClrLst>
+    <dgm:txEffectClrLst/>
+  </dgm:styleLbl>
+  <dgm:styleLbl name="fgShp">
+    <dgm:fillClrLst meth="repeat">
+      <a:schemeClr val="accent2">
+        <a:tint val="40000"/>
+      </a:schemeClr>
+    </dgm:fillClrLst>
+    <dgm:linClrLst meth="repeat">
+      <a:schemeClr val="lt1"/>
+    </dgm:linClrLst>
+    <dgm:effectClrLst/>
+    <dgm:txLinClrLst/>
+    <dgm:txFillClrLst meth="repeat">
+      <a:schemeClr val="dk1"/>
+    </dgm:txFillClrLst>
+    <dgm:txEffectClrLst/>
+  </dgm:styleLbl>
+  <dgm:styleLbl name="revTx">
+    <dgm:fillClrLst meth="repeat">
+      <a:schemeClr val="lt1">
+        <a:alpha val="0"/>
+      </a:schemeClr>
+    </dgm:fillClrLst>
+    <dgm:linClrLst meth="repeat">
+      <a:schemeClr val="dk1">
+        <a:alpha val="0"/>
+      </a:schemeClr>
+    </dgm:linClrLst>
+    <dgm:effectClrLst/>
+    <dgm:txLinClrLst/>
+    <dgm:txFillClrLst meth="repeat">
+      <a:schemeClr val="tx1"/>
+    </dgm:txFillClrLst>
+    <dgm:txEffectClrLst/>
+  </dgm:styleLbl>
+</dgm:colorsDef>
+</file>
+
+<file path=ppt/diagrams/data1.xml><?xml version="1.0" encoding="utf-8"?>
+<dgm:dataModel xmlns:dgm="http://schemas.openxmlformats.org/drawingml/2006/diagram" xmlns:a="http://schemas.openxmlformats.org/drawingml/2006/main">
+  <dgm:ptLst>
+    <dgm:pt modelId="{E13D1739-331E-475F-8DFB-661221470EEF}" type="doc">
+      <dgm:prSet loTypeId="urn:microsoft.com/office/officeart/2005/8/layout/hProcess9" loCatId="process" qsTypeId="urn:microsoft.com/office/officeart/2005/8/quickstyle/simple1" qsCatId="simple" csTypeId="urn:microsoft.com/office/officeart/2005/8/colors/colorful1" csCatId="colorful" phldr="1"/>
+      <dgm:spPr/>
+    </dgm:pt>
+    <dgm:pt modelId="{9A8C731E-331D-48CE-954E-A29B5A840113}">
+      <dgm:prSet phldrT="[Text]" custT="1"/>
+      <dgm:spPr/>
+      <dgm:t>
+        <a:bodyPr/>
+        <a:lstStyle/>
+        <a:p>
+          <a:r>
+            <a:rPr lang="en-US" sz="1600" b="0" dirty="0" smtClean="0"/>
+            <a:t>ALCC Project Tracking System</a:t>
+          </a:r>
+          <a:endParaRPr lang="en-US" sz="1600" b="0" dirty="0"/>
+        </a:p>
+      </dgm:t>
+    </dgm:pt>
+    <dgm:pt modelId="{971AEEE4-F636-41DD-89B1-29E9433557E9}" type="parTrans" cxnId="{8ADD79B7-D16D-42E5-87D9-FA1096360644}">
+      <dgm:prSet/>
+      <dgm:spPr/>
+      <dgm:t>
+        <a:bodyPr/>
+        <a:lstStyle/>
+        <a:p>
+          <a:endParaRPr lang="en-US" sz="1800" b="0"/>
+        </a:p>
+      </dgm:t>
+    </dgm:pt>
+    <dgm:pt modelId="{16F2CA47-85FB-4EA3-9BFD-9139935AC511}" type="sibTrans" cxnId="{8ADD79B7-D16D-42E5-87D9-FA1096360644}">
+      <dgm:prSet/>
+      <dgm:spPr/>
+      <dgm:t>
+        <a:bodyPr/>
+        <a:lstStyle/>
+        <a:p>
+          <a:endParaRPr lang="en-US" sz="1800" b="0"/>
+        </a:p>
+      </dgm:t>
+    </dgm:pt>
+    <dgm:pt modelId="{8CAC51C3-C94E-4FB7-B38E-348A8638DF1A}">
+      <dgm:prSet phldrT="[Text]" custT="1"/>
+      <dgm:spPr/>
+      <dgm:t>
+        <a:bodyPr/>
+        <a:lstStyle/>
+        <a:p>
+          <a:r>
+            <a:rPr lang="en-US" sz="1600" b="0" dirty="0" err="1" smtClean="0"/>
+            <a:t>mdJSON</a:t>
+          </a:r>
+          <a:endParaRPr lang="en-US" sz="1600" b="0" dirty="0"/>
+        </a:p>
+      </dgm:t>
+    </dgm:pt>
+    <dgm:pt modelId="{419BFBB9-5B29-43B9-801F-EEA918FA4DAF}" type="parTrans" cxnId="{682B6F8B-96E8-4721-BD6B-2FC738C6A6D8}">
+      <dgm:prSet/>
+      <dgm:spPr/>
+      <dgm:t>
+        <a:bodyPr/>
+        <a:lstStyle/>
+        <a:p>
+          <a:endParaRPr lang="en-US" sz="1800" b="0"/>
+        </a:p>
+      </dgm:t>
+    </dgm:pt>
+    <dgm:pt modelId="{B9C47196-3F78-4873-AF3D-BAED2BD1329C}" type="sibTrans" cxnId="{682B6F8B-96E8-4721-BD6B-2FC738C6A6D8}">
+      <dgm:prSet/>
+      <dgm:spPr/>
+      <dgm:t>
+        <a:bodyPr/>
+        <a:lstStyle/>
+        <a:p>
+          <a:endParaRPr lang="en-US" sz="1800" b="0"/>
+        </a:p>
+      </dgm:t>
+    </dgm:pt>
+    <dgm:pt modelId="{7173C3C3-96BA-4D8B-975C-5BA946AA5C9D}">
+      <dgm:prSet phldrT="[Text]" custT="1"/>
+      <dgm:spPr/>
+      <dgm:t>
+        <a:bodyPr/>
+        <a:lstStyle/>
+        <a:p>
+          <a:r>
+            <a:rPr lang="en-US" sz="1600" b="0" dirty="0" err="1" smtClean="0"/>
+            <a:t>mdTranslator</a:t>
+          </a:r>
+          <a:endParaRPr lang="en-US" sz="1600" b="0" dirty="0"/>
+        </a:p>
+      </dgm:t>
+    </dgm:pt>
+    <dgm:pt modelId="{0D6EB4B5-3F6B-4A25-8A97-196119B8DF9C}" type="parTrans" cxnId="{1E3DDE50-06EC-4129-9BA0-75E95F177F02}">
+      <dgm:prSet/>
+      <dgm:spPr/>
+      <dgm:t>
+        <a:bodyPr/>
+        <a:lstStyle/>
+        <a:p>
+          <a:endParaRPr lang="en-US" sz="1800" b="0"/>
+        </a:p>
+      </dgm:t>
+    </dgm:pt>
+    <dgm:pt modelId="{7FC09835-F039-483F-9937-2AA50698FC25}" type="sibTrans" cxnId="{1E3DDE50-06EC-4129-9BA0-75E95F177F02}">
+      <dgm:prSet/>
+      <dgm:spPr/>
+      <dgm:t>
+        <a:bodyPr/>
+        <a:lstStyle/>
+        <a:p>
+          <a:endParaRPr lang="en-US" sz="1800" b="0"/>
+        </a:p>
+      </dgm:t>
+    </dgm:pt>
+    <dgm:pt modelId="{1A73EEF8-74D3-4CB2-B6EB-2FD5D5840616}">
+      <dgm:prSet phldrT="[Text]" custT="1"/>
+      <dgm:spPr/>
+      <dgm:t>
+        <a:bodyPr/>
+        <a:lstStyle/>
+        <a:p>
+          <a:r>
+            <a:rPr lang="en-US" sz="1600" b="0" dirty="0" smtClean="0"/>
+            <a:t>metadata.</a:t>
+          </a:r>
+          <a:br>
+            <a:rPr lang="en-US" sz="1600" b="0" dirty="0" smtClean="0"/>
+          </a:br>
+          <a:r>
+            <a:rPr lang="en-US" sz="1600" b="0" dirty="0" smtClean="0"/>
+            <a:t>arcticlcc.org</a:t>
+          </a:r>
+          <a:endParaRPr lang="en-US" sz="1600" b="0" dirty="0"/>
+        </a:p>
+      </dgm:t>
+    </dgm:pt>
+    <dgm:pt modelId="{CA1BEB33-20EE-40BC-9B1D-E5F8E97936EB}" type="parTrans" cxnId="{23EB50C5-F9F3-401D-A853-0274C0ED47EF}">
+      <dgm:prSet/>
+      <dgm:spPr/>
+      <dgm:t>
+        <a:bodyPr/>
+        <a:lstStyle/>
+        <a:p>
+          <a:endParaRPr lang="en-US" sz="1800" b="0"/>
+        </a:p>
+      </dgm:t>
+    </dgm:pt>
+    <dgm:pt modelId="{7A45B83E-55B0-458A-B4E2-F74425B085E8}" type="sibTrans" cxnId="{23EB50C5-F9F3-401D-A853-0274C0ED47EF}">
+      <dgm:prSet/>
+      <dgm:spPr/>
+      <dgm:t>
+        <a:bodyPr/>
+        <a:lstStyle/>
+        <a:p>
+          <a:endParaRPr lang="en-US" sz="1800" b="0"/>
+        </a:p>
+      </dgm:t>
+    </dgm:pt>
+    <dgm:pt modelId="{BDF2C377-0291-4DAC-9AA5-CA86C8356FA5}">
+      <dgm:prSet phldrT="[Text]" custT="1"/>
+      <dgm:spPr/>
+      <dgm:t>
+        <a:bodyPr/>
+        <a:lstStyle/>
+        <a:p>
+          <a:r>
+            <a:rPr lang="en-US" sz="1600" b="0" dirty="0" smtClean="0"/>
+            <a:t>ISO XML, </a:t>
+          </a:r>
+          <a:r>
+            <a:rPr lang="en-US" sz="1600" b="0" dirty="0" err="1" smtClean="0"/>
+            <a:t>mdJSON</a:t>
+          </a:r>
+          <a:r>
+            <a:rPr lang="en-US" sz="1600" b="0" dirty="0" smtClean="0"/>
+            <a:t> </a:t>
+          </a:r>
+          <a:r>
+            <a:rPr lang="en-US" sz="1600" b="0" dirty="0" err="1" smtClean="0"/>
+            <a:t>Webservice</a:t>
+          </a:r>
+          <a:endParaRPr lang="en-US" sz="1600" b="0" dirty="0"/>
+        </a:p>
+      </dgm:t>
+    </dgm:pt>
+    <dgm:pt modelId="{F8E255BB-CCEF-4E55-A646-FC97E3688586}" type="parTrans" cxnId="{0BB4B0A7-A359-4C62-BEE8-21C678BD2ACC}">
+      <dgm:prSet/>
+      <dgm:spPr/>
+      <dgm:t>
+        <a:bodyPr/>
+        <a:lstStyle/>
+        <a:p>
+          <a:endParaRPr lang="en-US" sz="1800" b="0"/>
+        </a:p>
+      </dgm:t>
+    </dgm:pt>
+    <dgm:pt modelId="{75826744-1FF8-4631-B505-4F0182FCAADC}" type="sibTrans" cxnId="{0BB4B0A7-A359-4C62-BEE8-21C678BD2ACC}">
+      <dgm:prSet/>
+      <dgm:spPr/>
+      <dgm:t>
+        <a:bodyPr/>
+        <a:lstStyle/>
+        <a:p>
+          <a:endParaRPr lang="en-US" sz="1800" b="0"/>
+        </a:p>
+      </dgm:t>
+    </dgm:pt>
+    <dgm:pt modelId="{839053C5-97B6-4255-842C-44B37F9C6EE3}" type="pres">
+      <dgm:prSet presAssocID="{E13D1739-331E-475F-8DFB-661221470EEF}" presName="CompostProcess" presStyleCnt="0">
+        <dgm:presLayoutVars>
+          <dgm:dir/>
+          <dgm:resizeHandles val="exact"/>
+        </dgm:presLayoutVars>
+      </dgm:prSet>
+      <dgm:spPr/>
+    </dgm:pt>
+    <dgm:pt modelId="{C2BCCD72-0859-4E5E-84AC-8FEA33CBA04F}" type="pres">
+      <dgm:prSet presAssocID="{E13D1739-331E-475F-8DFB-661221470EEF}" presName="arrow" presStyleLbl="bgShp" presStyleIdx="0" presStyleCnt="1"/>
+      <dgm:spPr/>
+    </dgm:pt>
+    <dgm:pt modelId="{93E713F1-9145-45B6-8918-44C0B8A05A32}" type="pres">
+      <dgm:prSet presAssocID="{E13D1739-331E-475F-8DFB-661221470EEF}" presName="linearProcess" presStyleCnt="0"/>
+      <dgm:spPr/>
+    </dgm:pt>
+    <dgm:pt modelId="{666212E3-26DD-4585-80AA-37C9B3DFF1B7}" type="pres">
+      <dgm:prSet presAssocID="{9A8C731E-331D-48CE-954E-A29B5A840113}" presName="textNode" presStyleLbl="node1" presStyleIdx="0" presStyleCnt="5">
+        <dgm:presLayoutVars>
+          <dgm:bulletEnabled val="1"/>
+        </dgm:presLayoutVars>
+      </dgm:prSet>
+      <dgm:spPr/>
+      <dgm:t>
+        <a:bodyPr/>
+        <a:lstStyle/>
+        <a:p>
+          <a:endParaRPr lang="en-US"/>
+        </a:p>
+      </dgm:t>
+    </dgm:pt>
+    <dgm:pt modelId="{44D24529-1A91-4F5A-A302-F5AD8075F346}" type="pres">
+      <dgm:prSet presAssocID="{16F2CA47-85FB-4EA3-9BFD-9139935AC511}" presName="sibTrans" presStyleCnt="0"/>
+      <dgm:spPr/>
+    </dgm:pt>
+    <dgm:pt modelId="{C97B7E15-C241-44E7-8017-6A00FB6AF061}" type="pres">
+      <dgm:prSet presAssocID="{8CAC51C3-C94E-4FB7-B38E-348A8638DF1A}" presName="textNode" presStyleLbl="node1" presStyleIdx="1" presStyleCnt="5">
+        <dgm:presLayoutVars>
+          <dgm:bulletEnabled val="1"/>
+        </dgm:presLayoutVars>
+      </dgm:prSet>
+      <dgm:spPr/>
+    </dgm:pt>
+    <dgm:pt modelId="{D171259F-2FAF-4FBB-B13E-3DA210CEE4E2}" type="pres">
+      <dgm:prSet presAssocID="{B9C47196-3F78-4873-AF3D-BAED2BD1329C}" presName="sibTrans" presStyleCnt="0"/>
+      <dgm:spPr/>
+    </dgm:pt>
+    <dgm:pt modelId="{2242AE1A-4A8F-4CA6-B601-F1AADC6EB5A3}" type="pres">
+      <dgm:prSet presAssocID="{7173C3C3-96BA-4D8B-975C-5BA946AA5C9D}" presName="textNode" presStyleLbl="node1" presStyleIdx="2" presStyleCnt="5" custScaleX="119373">
+        <dgm:presLayoutVars>
+          <dgm:bulletEnabled val="1"/>
+        </dgm:presLayoutVars>
+      </dgm:prSet>
+      <dgm:spPr/>
+    </dgm:pt>
+    <dgm:pt modelId="{103A2B83-F1EB-4CB6-8CDC-3C6E02AC6D95}" type="pres">
+      <dgm:prSet presAssocID="{7FC09835-F039-483F-9937-2AA50698FC25}" presName="sibTrans" presStyleCnt="0"/>
+      <dgm:spPr/>
+    </dgm:pt>
+    <dgm:pt modelId="{FDAFBBF9-02E4-4883-AFB3-FA78F971EA52}" type="pres">
+      <dgm:prSet presAssocID="{1A73EEF8-74D3-4CB2-B6EB-2FD5D5840616}" presName="textNode" presStyleLbl="node1" presStyleIdx="3" presStyleCnt="5" custScaleX="119700">
+        <dgm:presLayoutVars>
+          <dgm:bulletEnabled val="1"/>
+        </dgm:presLayoutVars>
+      </dgm:prSet>
+      <dgm:spPr/>
+      <dgm:t>
+        <a:bodyPr/>
+        <a:lstStyle/>
+        <a:p>
+          <a:endParaRPr lang="en-US"/>
+        </a:p>
+      </dgm:t>
+    </dgm:pt>
+    <dgm:pt modelId="{91857D0D-24EE-446F-A38B-141051976760}" type="pres">
+      <dgm:prSet presAssocID="{7A45B83E-55B0-458A-B4E2-F74425B085E8}" presName="sibTrans" presStyleCnt="0"/>
+      <dgm:spPr/>
+    </dgm:pt>
+    <dgm:pt modelId="{6C70FE2A-09DE-4B2E-B9D9-EB6178D494BA}" type="pres">
+      <dgm:prSet presAssocID="{BDF2C377-0291-4DAC-9AA5-CA86C8356FA5}" presName="textNode" presStyleLbl="node1" presStyleIdx="4" presStyleCnt="5">
+        <dgm:presLayoutVars>
+          <dgm:bulletEnabled val="1"/>
+        </dgm:presLayoutVars>
+      </dgm:prSet>
+      <dgm:spPr/>
+    </dgm:pt>
+  </dgm:ptLst>
+  <dgm:cxnLst>
+    <dgm:cxn modelId="{FEE3E4A1-C81F-435B-835E-98D17BE87A80}" type="presOf" srcId="{8CAC51C3-C94E-4FB7-B38E-348A8638DF1A}" destId="{C97B7E15-C241-44E7-8017-6A00FB6AF061}" srcOrd="0" destOrd="0" presId="urn:microsoft.com/office/officeart/2005/8/layout/hProcess9"/>
+    <dgm:cxn modelId="{26F6CEA9-648B-4DB7-A781-9F95F1C89075}" type="presOf" srcId="{7173C3C3-96BA-4D8B-975C-5BA946AA5C9D}" destId="{2242AE1A-4A8F-4CA6-B601-F1AADC6EB5A3}" srcOrd="0" destOrd="0" presId="urn:microsoft.com/office/officeart/2005/8/layout/hProcess9"/>
+    <dgm:cxn modelId="{A075C8BC-5633-404F-BAFE-132CB9F3748D}" type="presOf" srcId="{1A73EEF8-74D3-4CB2-B6EB-2FD5D5840616}" destId="{FDAFBBF9-02E4-4883-AFB3-FA78F971EA52}" srcOrd="0" destOrd="0" presId="urn:microsoft.com/office/officeart/2005/8/layout/hProcess9"/>
+    <dgm:cxn modelId="{23EB50C5-F9F3-401D-A853-0274C0ED47EF}" srcId="{E13D1739-331E-475F-8DFB-661221470EEF}" destId="{1A73EEF8-74D3-4CB2-B6EB-2FD5D5840616}" srcOrd="3" destOrd="0" parTransId="{CA1BEB33-20EE-40BC-9B1D-E5F8E97936EB}" sibTransId="{7A45B83E-55B0-458A-B4E2-F74425B085E8}"/>
+    <dgm:cxn modelId="{0BB4B0A7-A359-4C62-BEE8-21C678BD2ACC}" srcId="{E13D1739-331E-475F-8DFB-661221470EEF}" destId="{BDF2C377-0291-4DAC-9AA5-CA86C8356FA5}" srcOrd="4" destOrd="0" parTransId="{F8E255BB-CCEF-4E55-A646-FC97E3688586}" sibTransId="{75826744-1FF8-4631-B505-4F0182FCAADC}"/>
+    <dgm:cxn modelId="{8ADD79B7-D16D-42E5-87D9-FA1096360644}" srcId="{E13D1739-331E-475F-8DFB-661221470EEF}" destId="{9A8C731E-331D-48CE-954E-A29B5A840113}" srcOrd="0" destOrd="0" parTransId="{971AEEE4-F636-41DD-89B1-29E9433557E9}" sibTransId="{16F2CA47-85FB-4EA3-9BFD-9139935AC511}"/>
+    <dgm:cxn modelId="{E16FB164-6AF3-465A-8D91-E3EB4B0C49EB}" type="presOf" srcId="{E13D1739-331E-475F-8DFB-661221470EEF}" destId="{839053C5-97B6-4255-842C-44B37F9C6EE3}" srcOrd="0" destOrd="0" presId="urn:microsoft.com/office/officeart/2005/8/layout/hProcess9"/>
+    <dgm:cxn modelId="{1E3DDE50-06EC-4129-9BA0-75E95F177F02}" srcId="{E13D1739-331E-475F-8DFB-661221470EEF}" destId="{7173C3C3-96BA-4D8B-975C-5BA946AA5C9D}" srcOrd="2" destOrd="0" parTransId="{0D6EB4B5-3F6B-4A25-8A97-196119B8DF9C}" sibTransId="{7FC09835-F039-483F-9937-2AA50698FC25}"/>
+    <dgm:cxn modelId="{08C2D5AD-0BAA-473F-BAB6-BE87DCABC002}" type="presOf" srcId="{9A8C731E-331D-48CE-954E-A29B5A840113}" destId="{666212E3-26DD-4585-80AA-37C9B3DFF1B7}" srcOrd="0" destOrd="0" presId="urn:microsoft.com/office/officeart/2005/8/layout/hProcess9"/>
+    <dgm:cxn modelId="{682B6F8B-96E8-4721-BD6B-2FC738C6A6D8}" srcId="{E13D1739-331E-475F-8DFB-661221470EEF}" destId="{8CAC51C3-C94E-4FB7-B38E-348A8638DF1A}" srcOrd="1" destOrd="0" parTransId="{419BFBB9-5B29-43B9-801F-EEA918FA4DAF}" sibTransId="{B9C47196-3F78-4873-AF3D-BAED2BD1329C}"/>
+    <dgm:cxn modelId="{A1DD1766-7DA3-4A6B-84E5-F8A736F59A62}" type="presOf" srcId="{BDF2C377-0291-4DAC-9AA5-CA86C8356FA5}" destId="{6C70FE2A-09DE-4B2E-B9D9-EB6178D494BA}" srcOrd="0" destOrd="0" presId="urn:microsoft.com/office/officeart/2005/8/layout/hProcess9"/>
+    <dgm:cxn modelId="{AE4B6F94-1E60-4C62-83BA-0ECA6A408B33}" type="presParOf" srcId="{839053C5-97B6-4255-842C-44B37F9C6EE3}" destId="{C2BCCD72-0859-4E5E-84AC-8FEA33CBA04F}" srcOrd="0" destOrd="0" presId="urn:microsoft.com/office/officeart/2005/8/layout/hProcess9"/>
+    <dgm:cxn modelId="{527E6FB5-F20C-4E87-B1B9-974F445C3471}" type="presParOf" srcId="{839053C5-97B6-4255-842C-44B37F9C6EE3}" destId="{93E713F1-9145-45B6-8918-44C0B8A05A32}" srcOrd="1" destOrd="0" presId="urn:microsoft.com/office/officeart/2005/8/layout/hProcess9"/>
+    <dgm:cxn modelId="{DF13FF3C-C934-4703-A2E7-EFB5D275DD8D}" type="presParOf" srcId="{93E713F1-9145-45B6-8918-44C0B8A05A32}" destId="{666212E3-26DD-4585-80AA-37C9B3DFF1B7}" srcOrd="0" destOrd="0" presId="urn:microsoft.com/office/officeart/2005/8/layout/hProcess9"/>
+    <dgm:cxn modelId="{777BA8C6-D35A-450E-B4F9-43AFBBEEEEC1}" type="presParOf" srcId="{93E713F1-9145-45B6-8918-44C0B8A05A32}" destId="{44D24529-1A91-4F5A-A302-F5AD8075F346}" srcOrd="1" destOrd="0" presId="urn:microsoft.com/office/officeart/2005/8/layout/hProcess9"/>
+    <dgm:cxn modelId="{7EBD0D80-EF52-4D45-ABA4-299B5330CDAE}" type="presParOf" srcId="{93E713F1-9145-45B6-8918-44C0B8A05A32}" destId="{C97B7E15-C241-44E7-8017-6A00FB6AF061}" srcOrd="2" destOrd="0" presId="urn:microsoft.com/office/officeart/2005/8/layout/hProcess9"/>
+    <dgm:cxn modelId="{C49E32ED-DC34-4A69-9354-769435B83983}" type="presParOf" srcId="{93E713F1-9145-45B6-8918-44C0B8A05A32}" destId="{D171259F-2FAF-4FBB-B13E-3DA210CEE4E2}" srcOrd="3" destOrd="0" presId="urn:microsoft.com/office/officeart/2005/8/layout/hProcess9"/>
+    <dgm:cxn modelId="{332A90AC-6515-42AD-BC4C-C56EAA6A5307}" type="presParOf" srcId="{93E713F1-9145-45B6-8918-44C0B8A05A32}" destId="{2242AE1A-4A8F-4CA6-B601-F1AADC6EB5A3}" srcOrd="4" destOrd="0" presId="urn:microsoft.com/office/officeart/2005/8/layout/hProcess9"/>
+    <dgm:cxn modelId="{E09E3280-80D4-4A90-AED4-199B89E4D858}" type="presParOf" srcId="{93E713F1-9145-45B6-8918-44C0B8A05A32}" destId="{103A2B83-F1EB-4CB6-8CDC-3C6E02AC6D95}" srcOrd="5" destOrd="0" presId="urn:microsoft.com/office/officeart/2005/8/layout/hProcess9"/>
+    <dgm:cxn modelId="{A000746F-979D-4D61-9A1B-8C7F031C36E9}" type="presParOf" srcId="{93E713F1-9145-45B6-8918-44C0B8A05A32}" destId="{FDAFBBF9-02E4-4883-AFB3-FA78F971EA52}" srcOrd="6" destOrd="0" presId="urn:microsoft.com/office/officeart/2005/8/layout/hProcess9"/>
+    <dgm:cxn modelId="{A88CD601-74C2-4EFC-AB53-08FB2A77750E}" type="presParOf" srcId="{93E713F1-9145-45B6-8918-44C0B8A05A32}" destId="{91857D0D-24EE-446F-A38B-141051976760}" srcOrd="7" destOrd="0" presId="urn:microsoft.com/office/officeart/2005/8/layout/hProcess9"/>
+    <dgm:cxn modelId="{6C26515B-0B67-447A-B8BF-2FB1997638E1}" type="presParOf" srcId="{93E713F1-9145-45B6-8918-44C0B8A05A32}" destId="{6C70FE2A-09DE-4B2E-B9D9-EB6178D494BA}" srcOrd="8" destOrd="0" presId="urn:microsoft.com/office/officeart/2005/8/layout/hProcess9"/>
+  </dgm:cxnLst>
+  <dgm:bg/>
+  <dgm:whole/>
+  <dgm:extLst>
+    <a:ext uri="http://schemas.microsoft.com/office/drawing/2008/diagram">
+      <dsp:dataModelExt xmlns:dsp="http://schemas.microsoft.com/office/drawing/2008/diagram" relId="rId7" minVer="http://schemas.openxmlformats.org/drawingml/2006/diagram"/>
+    </a:ext>
+  </dgm:extLst>
+</dgm:dataModel>
+</file>
+
+<file path=ppt/diagrams/drawing1.xml><?xml version="1.0" encoding="utf-8"?>
+<dsp:drawing xmlns:dgm="http://schemas.openxmlformats.org/drawingml/2006/diagram" xmlns:dsp="http://schemas.microsoft.com/office/drawing/2008/diagram" xmlns:a="http://schemas.openxmlformats.org/drawingml/2006/main">
+  <dsp:spTree>
+    <dsp:nvGrpSpPr>
+      <dsp:cNvPr id="0" name=""/>
+      <dsp:cNvGrpSpPr/>
+    </dsp:nvGrpSpPr>
+    <dsp:grpSpPr/>
+    <dsp:sp modelId="{C2BCCD72-0859-4E5E-84AC-8FEA33CBA04F}">
+      <dsp:nvSpPr>
+        <dsp:cNvPr id="0" name=""/>
+        <dsp:cNvSpPr/>
+      </dsp:nvSpPr>
+      <dsp:spPr>
+        <a:xfrm>
+          <a:off x="645794" y="0"/>
+          <a:ext cx="7319010" cy="4724399"/>
+        </a:xfrm>
+        <a:prstGeom prst="rightArrow">
+          <a:avLst/>
+        </a:prstGeom>
+        <a:solidFill>
+          <a:schemeClr val="accent2">
+            <a:tint val="40000"/>
+            <a:hueOff val="0"/>
+            <a:satOff val="0"/>
+            <a:lumOff val="0"/>
+            <a:alphaOff val="0"/>
+          </a:schemeClr>
+        </a:solidFill>
+        <a:ln>
+          <a:noFill/>
+        </a:ln>
+        <a:effectLst/>
+      </dsp:spPr>
+      <dsp:style>
+        <a:lnRef idx="0">
+          <a:scrgbClr r="0" g="0" b="0"/>
+        </a:lnRef>
+        <a:fillRef idx="1">
+          <a:scrgbClr r="0" g="0" b="0"/>
+        </a:fillRef>
+        <a:effectRef idx="0">
+          <a:scrgbClr r="0" g="0" b="0"/>
+        </a:effectRef>
+        <a:fontRef idx="minor"/>
+      </dsp:style>
+    </dsp:sp>
+    <dsp:sp modelId="{666212E3-26DD-4585-80AA-37C9B3DFF1B7}">
+      <dsp:nvSpPr>
+        <dsp:cNvPr id="0" name=""/>
+        <dsp:cNvSpPr/>
+      </dsp:nvSpPr>
+      <dsp:spPr>
+        <a:xfrm>
+          <a:off x="3807" y="1417319"/>
+          <a:ext cx="1420244" cy="1889760"/>
+        </a:xfrm>
+        <a:prstGeom prst="roundRect">
+          <a:avLst/>
+        </a:prstGeom>
+        <a:solidFill>
+          <a:schemeClr val="accent2">
+            <a:hueOff val="0"/>
+            <a:satOff val="0"/>
+            <a:lumOff val="0"/>
+            <a:alphaOff val="0"/>
+          </a:schemeClr>
+        </a:solidFill>
+        <a:ln w="28575" cap="flat" cmpd="sng" algn="ctr">
+          <a:solidFill>
+            <a:schemeClr val="lt1">
+              <a:hueOff val="0"/>
+              <a:satOff val="0"/>
+              <a:lumOff val="0"/>
+              <a:alphaOff val="0"/>
+            </a:schemeClr>
+          </a:solidFill>
+          <a:prstDash val="solid"/>
+        </a:ln>
+        <a:effectLst/>
+      </dsp:spPr>
+      <dsp:style>
+        <a:lnRef idx="2">
+          <a:scrgbClr r="0" g="0" b="0"/>
+        </a:lnRef>
+        <a:fillRef idx="1">
+          <a:scrgbClr r="0" g="0" b="0"/>
+        </a:fillRef>
+        <a:effectRef idx="0">
+          <a:scrgbClr r="0" g="0" b="0"/>
+        </a:effectRef>
+        <a:fontRef idx="minor">
+          <a:schemeClr val="lt1"/>
+        </a:fontRef>
+      </dsp:style>
+      <dsp:txBody>
+        <a:bodyPr spcFirstLastPara="0" vert="horz" wrap="square" lIns="60960" tIns="60960" rIns="60960" bIns="60960" numCol="1" spcCol="1270" anchor="ctr" anchorCtr="0">
+          <a:noAutofit/>
+        </a:bodyPr>
+        <a:lstStyle/>
+        <a:p>
+          <a:pPr lvl="0" algn="ctr" defTabSz="711200">
+            <a:lnSpc>
+              <a:spcPct val="90000"/>
+            </a:lnSpc>
+            <a:spcBef>
+              <a:spcPct val="0"/>
+            </a:spcBef>
+            <a:spcAft>
+              <a:spcPct val="35000"/>
+            </a:spcAft>
+          </a:pPr>
+          <a:r>
+            <a:rPr lang="en-US" sz="1600" b="0" kern="1200" dirty="0" smtClean="0"/>
+            <a:t>ALCC Project Tracking System</a:t>
+          </a:r>
+          <a:endParaRPr lang="en-US" sz="1600" b="0" kern="1200" dirty="0"/>
+        </a:p>
+      </dsp:txBody>
+      <dsp:txXfrm>
+        <a:off x="73138" y="1486650"/>
+        <a:ext cx="1281582" cy="1751098"/>
+      </dsp:txXfrm>
+    </dsp:sp>
+    <dsp:sp modelId="{C97B7E15-C241-44E7-8017-6A00FB6AF061}">
+      <dsp:nvSpPr>
+        <dsp:cNvPr id="0" name=""/>
+        <dsp:cNvSpPr/>
+      </dsp:nvSpPr>
+      <dsp:spPr>
+        <a:xfrm>
+          <a:off x="1660759" y="1417319"/>
+          <a:ext cx="1420244" cy="1889760"/>
+        </a:xfrm>
+        <a:prstGeom prst="roundRect">
+          <a:avLst/>
+        </a:prstGeom>
+        <a:solidFill>
+          <a:schemeClr val="accent3">
+            <a:hueOff val="0"/>
+            <a:satOff val="0"/>
+            <a:lumOff val="0"/>
+            <a:alphaOff val="0"/>
+          </a:schemeClr>
+        </a:solidFill>
+        <a:ln w="28575" cap="flat" cmpd="sng" algn="ctr">
+          <a:solidFill>
+            <a:schemeClr val="lt1">
+              <a:hueOff val="0"/>
+              <a:satOff val="0"/>
+              <a:lumOff val="0"/>
+              <a:alphaOff val="0"/>
+            </a:schemeClr>
+          </a:solidFill>
+          <a:prstDash val="solid"/>
+        </a:ln>
+        <a:effectLst/>
+      </dsp:spPr>
+      <dsp:style>
+        <a:lnRef idx="2">
+          <a:scrgbClr r="0" g="0" b="0"/>
+        </a:lnRef>
+        <a:fillRef idx="1">
+          <a:scrgbClr r="0" g="0" b="0"/>
+        </a:fillRef>
+        <a:effectRef idx="0">
+          <a:scrgbClr r="0" g="0" b="0"/>
+        </a:effectRef>
+        <a:fontRef idx="minor">
+          <a:schemeClr val="lt1"/>
+        </a:fontRef>
+      </dsp:style>
+      <dsp:txBody>
+        <a:bodyPr spcFirstLastPara="0" vert="horz" wrap="square" lIns="60960" tIns="60960" rIns="60960" bIns="60960" numCol="1" spcCol="1270" anchor="ctr" anchorCtr="0">
+          <a:noAutofit/>
+        </a:bodyPr>
+        <a:lstStyle/>
+        <a:p>
+          <a:pPr lvl="0" algn="ctr" defTabSz="711200">
+            <a:lnSpc>
+              <a:spcPct val="90000"/>
+            </a:lnSpc>
+            <a:spcBef>
+              <a:spcPct val="0"/>
+            </a:spcBef>
+            <a:spcAft>
+              <a:spcPct val="35000"/>
+            </a:spcAft>
+          </a:pPr>
+          <a:r>
+            <a:rPr lang="en-US" sz="1600" b="0" kern="1200" dirty="0" err="1" smtClean="0"/>
+            <a:t>mdJSON</a:t>
+          </a:r>
+          <a:endParaRPr lang="en-US" sz="1600" b="0" kern="1200" dirty="0"/>
+        </a:p>
+      </dsp:txBody>
+      <dsp:txXfrm>
+        <a:off x="1730090" y="1486650"/>
+        <a:ext cx="1281582" cy="1751098"/>
+      </dsp:txXfrm>
+    </dsp:sp>
+    <dsp:sp modelId="{2242AE1A-4A8F-4CA6-B601-F1AADC6EB5A3}">
+      <dsp:nvSpPr>
+        <dsp:cNvPr id="0" name=""/>
+        <dsp:cNvSpPr/>
+      </dsp:nvSpPr>
+      <dsp:spPr>
+        <a:xfrm>
+          <a:off x="3317711" y="1417319"/>
+          <a:ext cx="1695388" cy="1889760"/>
+        </a:xfrm>
+        <a:prstGeom prst="roundRect">
+          <a:avLst/>
+        </a:prstGeom>
+        <a:solidFill>
+          <a:schemeClr val="accent4">
+            <a:hueOff val="0"/>
+            <a:satOff val="0"/>
+            <a:lumOff val="0"/>
+            <a:alphaOff val="0"/>
+          </a:schemeClr>
+        </a:solidFill>
+        <a:ln w="28575" cap="flat" cmpd="sng" algn="ctr">
+          <a:solidFill>
+            <a:schemeClr val="lt1">
+              <a:hueOff val="0"/>
+              <a:satOff val="0"/>
+              <a:lumOff val="0"/>
+              <a:alphaOff val="0"/>
+            </a:schemeClr>
+          </a:solidFill>
+          <a:prstDash val="solid"/>
+        </a:ln>
+        <a:effectLst/>
+      </dsp:spPr>
+      <dsp:style>
+        <a:lnRef idx="2">
+          <a:scrgbClr r="0" g="0" b="0"/>
+        </a:lnRef>
+        <a:fillRef idx="1">
+          <a:scrgbClr r="0" g="0" b="0"/>
+        </a:fillRef>
+        <a:effectRef idx="0">
+          <a:scrgbClr r="0" g="0" b="0"/>
+        </a:effectRef>
+        <a:fontRef idx="minor">
+          <a:schemeClr val="lt1"/>
+        </a:fontRef>
+      </dsp:style>
+      <dsp:txBody>
+        <a:bodyPr spcFirstLastPara="0" vert="horz" wrap="square" lIns="60960" tIns="60960" rIns="60960" bIns="60960" numCol="1" spcCol="1270" anchor="ctr" anchorCtr="0">
+          <a:noAutofit/>
+        </a:bodyPr>
+        <a:lstStyle/>
+        <a:p>
+          <a:pPr lvl="0" algn="ctr" defTabSz="711200">
+            <a:lnSpc>
+              <a:spcPct val="90000"/>
+            </a:lnSpc>
+            <a:spcBef>
+              <a:spcPct val="0"/>
+            </a:spcBef>
+            <a:spcAft>
+              <a:spcPct val="35000"/>
+            </a:spcAft>
+          </a:pPr>
+          <a:r>
+            <a:rPr lang="en-US" sz="1600" b="0" kern="1200" dirty="0" err="1" smtClean="0"/>
+            <a:t>mdTranslator</a:t>
+          </a:r>
+          <a:endParaRPr lang="en-US" sz="1600" b="0" kern="1200" dirty="0"/>
+        </a:p>
+      </dsp:txBody>
+      <dsp:txXfrm>
+        <a:off x="3400473" y="1500081"/>
+        <a:ext cx="1529864" cy="1724236"/>
+      </dsp:txXfrm>
+    </dsp:sp>
+    <dsp:sp modelId="{FDAFBBF9-02E4-4883-AFB3-FA78F971EA52}">
+      <dsp:nvSpPr>
+        <dsp:cNvPr id="0" name=""/>
+        <dsp:cNvSpPr/>
+      </dsp:nvSpPr>
+      <dsp:spPr>
+        <a:xfrm>
+          <a:off x="5249807" y="1417319"/>
+          <a:ext cx="1700032" cy="1889760"/>
+        </a:xfrm>
+        <a:prstGeom prst="roundRect">
+          <a:avLst/>
+        </a:prstGeom>
+        <a:solidFill>
+          <a:schemeClr val="accent5">
+            <a:hueOff val="0"/>
+            <a:satOff val="0"/>
+            <a:lumOff val="0"/>
+            <a:alphaOff val="0"/>
+          </a:schemeClr>
+        </a:solidFill>
+        <a:ln w="28575" cap="flat" cmpd="sng" algn="ctr">
+          <a:solidFill>
+            <a:schemeClr val="lt1">
+              <a:hueOff val="0"/>
+              <a:satOff val="0"/>
+              <a:lumOff val="0"/>
+              <a:alphaOff val="0"/>
+            </a:schemeClr>
+          </a:solidFill>
+          <a:prstDash val="solid"/>
+        </a:ln>
+        <a:effectLst/>
+      </dsp:spPr>
+      <dsp:style>
+        <a:lnRef idx="2">
+          <a:scrgbClr r="0" g="0" b="0"/>
+        </a:lnRef>
+        <a:fillRef idx="1">
+          <a:scrgbClr r="0" g="0" b="0"/>
+        </a:fillRef>
+        <a:effectRef idx="0">
+          <a:scrgbClr r="0" g="0" b="0"/>
+        </a:effectRef>
+        <a:fontRef idx="minor">
+          <a:schemeClr val="lt1"/>
+        </a:fontRef>
+      </dsp:style>
+      <dsp:txBody>
+        <a:bodyPr spcFirstLastPara="0" vert="horz" wrap="square" lIns="60960" tIns="60960" rIns="60960" bIns="60960" numCol="1" spcCol="1270" anchor="ctr" anchorCtr="0">
+          <a:noAutofit/>
+        </a:bodyPr>
+        <a:lstStyle/>
+        <a:p>
+          <a:pPr lvl="0" algn="ctr" defTabSz="711200">
+            <a:lnSpc>
+              <a:spcPct val="90000"/>
+            </a:lnSpc>
+            <a:spcBef>
+              <a:spcPct val="0"/>
+            </a:spcBef>
+            <a:spcAft>
+              <a:spcPct val="35000"/>
+            </a:spcAft>
+          </a:pPr>
+          <a:r>
+            <a:rPr lang="en-US" sz="1600" b="0" kern="1200" dirty="0" smtClean="0"/>
+            <a:t>metadata.</a:t>
+          </a:r>
+          <a:br>
+            <a:rPr lang="en-US" sz="1600" b="0" kern="1200" dirty="0" smtClean="0"/>
+          </a:br>
+          <a:r>
+            <a:rPr lang="en-US" sz="1600" b="0" kern="1200" dirty="0" smtClean="0"/>
+            <a:t>arcticlcc.org</a:t>
+          </a:r>
+          <a:endParaRPr lang="en-US" sz="1600" b="0" kern="1200" dirty="0"/>
+        </a:p>
+      </dsp:txBody>
+      <dsp:txXfrm>
+        <a:off x="5332796" y="1500308"/>
+        <a:ext cx="1534054" cy="1723782"/>
+      </dsp:txXfrm>
+    </dsp:sp>
+    <dsp:sp modelId="{6C70FE2A-09DE-4B2E-B9D9-EB6178D494BA}">
+      <dsp:nvSpPr>
+        <dsp:cNvPr id="0" name=""/>
+        <dsp:cNvSpPr/>
+      </dsp:nvSpPr>
+      <dsp:spPr>
+        <a:xfrm>
+          <a:off x="7186547" y="1417319"/>
+          <a:ext cx="1420244" cy="1889760"/>
+        </a:xfrm>
+        <a:prstGeom prst="roundRect">
+          <a:avLst/>
+        </a:prstGeom>
+        <a:solidFill>
+          <a:schemeClr val="accent6">
+            <a:hueOff val="0"/>
+            <a:satOff val="0"/>
+            <a:lumOff val="0"/>
+            <a:alphaOff val="0"/>
+          </a:schemeClr>
+        </a:solidFill>
+        <a:ln w="28575" cap="flat" cmpd="sng" algn="ctr">
+          <a:solidFill>
+            <a:schemeClr val="lt1">
+              <a:hueOff val="0"/>
+              <a:satOff val="0"/>
+              <a:lumOff val="0"/>
+              <a:alphaOff val="0"/>
+            </a:schemeClr>
+          </a:solidFill>
+          <a:prstDash val="solid"/>
+        </a:ln>
+        <a:effectLst/>
+      </dsp:spPr>
+      <dsp:style>
+        <a:lnRef idx="2">
+          <a:scrgbClr r="0" g="0" b="0"/>
+        </a:lnRef>
+        <a:fillRef idx="1">
+          <a:scrgbClr r="0" g="0" b="0"/>
+        </a:fillRef>
+        <a:effectRef idx="0">
+          <a:scrgbClr r="0" g="0" b="0"/>
+        </a:effectRef>
+        <a:fontRef idx="minor">
+          <a:schemeClr val="lt1"/>
+        </a:fontRef>
+      </dsp:style>
+      <dsp:txBody>
+        <a:bodyPr spcFirstLastPara="0" vert="horz" wrap="square" lIns="60960" tIns="60960" rIns="60960" bIns="60960" numCol="1" spcCol="1270" anchor="ctr" anchorCtr="0">
+          <a:noAutofit/>
+        </a:bodyPr>
+        <a:lstStyle/>
+        <a:p>
+          <a:pPr lvl="0" algn="ctr" defTabSz="711200">
+            <a:lnSpc>
+              <a:spcPct val="90000"/>
+            </a:lnSpc>
+            <a:spcBef>
+              <a:spcPct val="0"/>
+            </a:spcBef>
+            <a:spcAft>
+              <a:spcPct val="35000"/>
+            </a:spcAft>
+          </a:pPr>
+          <a:r>
+            <a:rPr lang="en-US" sz="1600" b="0" kern="1200" dirty="0" smtClean="0"/>
+            <a:t>ISO XML, </a:t>
+          </a:r>
+          <a:r>
+            <a:rPr lang="en-US" sz="1600" b="0" kern="1200" dirty="0" err="1" smtClean="0"/>
+            <a:t>mdJSON</a:t>
+          </a:r>
+          <a:r>
+            <a:rPr lang="en-US" sz="1600" b="0" kern="1200" dirty="0" smtClean="0"/>
+            <a:t> </a:t>
+          </a:r>
+          <a:r>
+            <a:rPr lang="en-US" sz="1600" b="0" kern="1200" dirty="0" err="1" smtClean="0"/>
+            <a:t>Webservice</a:t>
+          </a:r>
+          <a:endParaRPr lang="en-US" sz="1600" b="0" kern="1200" dirty="0"/>
+        </a:p>
+      </dsp:txBody>
+      <dsp:txXfrm>
+        <a:off x="7255878" y="1486650"/>
+        <a:ext cx="1281582" cy="1751098"/>
+      </dsp:txXfrm>
+    </dsp:sp>
+  </dsp:spTree>
+</dsp:drawing>
+</file>
+
+<file path=ppt/diagrams/layout1.xml><?xml version="1.0" encoding="utf-8"?>
+<dgm:layoutDef xmlns:dgm="http://schemas.openxmlformats.org/drawingml/2006/diagram" xmlns:a="http://schemas.openxmlformats.org/drawingml/2006/main" uniqueId="urn:microsoft.com/office/officeart/2005/8/layout/hProcess9">
+  <dgm:title val=""/>
+  <dgm:desc val=""/>
+  <dgm:catLst>
+    <dgm:cat type="process" pri="5000"/>
+    <dgm:cat type="convert" pri="13000"/>
+  </dgm:catLst>
+  <dgm:sampData useDef="1">
+    <dgm:dataModel>
+      <dgm:ptLst/>
+      <dgm:bg/>
+      <dgm:whole/>
+    </dgm:dataModel>
+  </dgm:sampData>
+  <dgm:styleData>
+    <dgm:dataModel>
+      <dgm:ptLst>
+        <dgm:pt modelId="0" type="doc"/>
+        <dgm:pt modelId="1"/>
+        <dgm:pt modelId="2"/>
+      </dgm:ptLst>
+      <dgm:cxnLst>
+        <dgm:cxn modelId="3" srcId="0" destId="1" srcOrd="0" destOrd="0"/>
+        <dgm:cxn modelId="4" srcId="0" destId="2" srcOrd="1" destOrd="0"/>
+      </dgm:cxnLst>
+      <dgm:bg/>
+      <dgm:whole/>
+    </dgm:dataModel>
+  </dgm:styleData>
+  <dgm:clrData>
+    <dgm:dataModel>
+      <dgm:ptLst>
+        <dgm:pt modelId="0" type="doc"/>
+        <dgm:pt modelId="1"/>
+        <dgm:pt modelId="2"/>
+        <dgm:pt modelId="3"/>
+        <dgm:pt modelId="4"/>
+      </dgm:ptLst>
+      <dgm:cxnLst>
+        <dgm:cxn modelId="5" srcId="0" destId="1" srcOrd="0" destOrd="0"/>
+        <dgm:cxn modelId="6" srcId="0" destId="2" srcOrd="1" destOrd="0"/>
+        <dgm:cxn modelId="7" srcId="0" destId="3" srcOrd="2" destOrd="0"/>
+        <dgm:cxn modelId="8" srcId="0" destId="4" srcOrd="3" destOrd="0"/>
+      </dgm:cxnLst>
+      <dgm:bg/>
+      <dgm:whole/>
+    </dgm:dataModel>
+  </dgm:clrData>
+  <dgm:layoutNode name="CompostProcess">
+    <dgm:varLst>
+      <dgm:dir/>
+      <dgm:resizeHandles val="exact"/>
+    </dgm:varLst>
+    <dgm:alg type="composite">
+      <dgm:param type="horzAlign" val="ctr"/>
+      <dgm:param type="vertAlign" val="mid"/>
+    </dgm:alg>
+    <dgm:shape xmlns:r="http://schemas.openxmlformats.org/officeDocument/2006/relationships" r:blip="">
+      <dgm:adjLst/>
+    </dgm:shape>
+    <dgm:presOf/>
+    <dgm:constrLst>
+      <dgm:constr type="w" for="ch" forName="arrow" refType="w" fact="0.85"/>
+      <dgm:constr type="h" for="ch" forName="arrow" refType="h"/>
+      <dgm:constr type="ctrX" for="ch" forName="arrow" refType="w" fact="0.5"/>
+      <dgm:constr type="ctrY" for="ch" forName="arrow" refType="h" fact="0.5"/>
+      <dgm:constr type="w" for="ch" forName="linearProcess" refType="w"/>
+      <dgm:constr type="h" for="ch" forName="linearProcess" refType="h" fact="0.4"/>
+      <dgm:constr type="ctrX" for="ch" forName="linearProcess" refType="w" fact="0.5"/>
+      <dgm:constr type="ctrY" for="ch" forName="linearProcess" refType="h" fact="0.5"/>
+    </dgm:constrLst>
+    <dgm:ruleLst/>
+    <dgm:layoutNode name="arrow" styleLbl="bgShp">
+      <dgm:alg type="sp"/>
+      <dgm:choose name="Name0">
+        <dgm:if name="Name1" func="var" arg="dir" op="equ" val="norm">
+          <dgm:shape xmlns:r="http://schemas.openxmlformats.org/officeDocument/2006/relationships" type="rightArrow" r:blip="">
+            <dgm:adjLst/>
+          </dgm:shape>
+        </dgm:if>
+        <dgm:else name="Name2">
+          <dgm:shape xmlns:r="http://schemas.openxmlformats.org/officeDocument/2006/relationships" type="leftArrow" r:blip="">
+            <dgm:adjLst/>
+          </dgm:shape>
+        </dgm:else>
+      </dgm:choose>
+      <dgm:presOf/>
+      <dgm:constrLst/>
+      <dgm:ruleLst/>
+    </dgm:layoutNode>
+    <dgm:layoutNode name="linearProcess">
+      <dgm:choose name="Name3">
+        <dgm:if name="Name4" func="var" arg="dir" op="equ" val="norm">
+          <dgm:alg type="lin"/>
+        </dgm:if>
+        <dgm:else name="Name5">
+          <dgm:alg type="lin">
+            <dgm:param type="linDir" val="fromR"/>
+          </dgm:alg>
+        </dgm:else>
+      </dgm:choose>
+      <dgm:shape xmlns:r="http://schemas.openxmlformats.org/officeDocument/2006/relationships" r:blip="">
+        <dgm:adjLst/>
+      </dgm:shape>
+      <dgm:presOf/>
+      <dgm:constrLst>
+        <dgm:constr type="userA" for="ch" ptType="node" refType="w"/>
+        <dgm:constr type="h" for="ch" ptType="node" refType="h"/>
+        <dgm:constr type="w" for="ch" ptType="node" op="equ"/>
+        <dgm:constr type="w" for="ch" forName="sibTrans" refType="w" fact="0.05"/>
+        <dgm:constr type="primFontSz" for="ch" ptType="node" op="equ" val="65"/>
+      </dgm:constrLst>
+      <dgm:ruleLst/>
+      <dgm:forEach name="Name6" axis="ch" ptType="node">
+        <dgm:layoutNode name="textNode" styleLbl="node1">
+          <dgm:varLst>
+            <dgm:bulletEnabled val="1"/>
+          </dgm:varLst>
+          <dgm:alg type="tx"/>
+          <dgm:shape xmlns:r="http://schemas.openxmlformats.org/officeDocument/2006/relationships" type="roundRect" r:blip="">
+            <dgm:adjLst/>
+          </dgm:shape>
+          <dgm:presOf axis="desOrSelf" ptType="node"/>
+          <dgm:constrLst>
+            <dgm:constr type="userA"/>
+            <dgm:constr type="w" refType="userA" fact="0.3"/>
+            <dgm:constr type="tMarg" refType="primFontSz" fact="0.3"/>
+            <dgm:constr type="bMarg" refType="primFontSz" fact="0.3"/>
+            <dgm:constr type="lMarg" refType="primFontSz" fact="0.3"/>
+            <dgm:constr type="rMarg" refType="primFontSz" fact="0.3"/>
+          </dgm:constrLst>
+          <dgm:ruleLst>
+            <dgm:rule type="w" val="NaN" fact="1" max="NaN"/>
+            <dgm:rule type="primFontSz" val="5" fact="NaN" max="NaN"/>
+          </dgm:ruleLst>
+        </dgm:layoutNode>
+        <dgm:forEach name="Name7" axis="followSib" ptType="sibTrans" cnt="1">
+          <dgm:layoutNode name="sibTrans">
+            <dgm:alg type="sp"/>
+            <dgm:shape xmlns:r="http://schemas.openxmlformats.org/officeDocument/2006/relationships" r:blip="">
+              <dgm:adjLst/>
+            </dgm:shape>
+            <dgm:presOf/>
+            <dgm:constrLst/>
+            <dgm:ruleLst/>
+          </dgm:layoutNode>
+        </dgm:forEach>
+      </dgm:forEach>
+    </dgm:layoutNode>
+  </dgm:layoutNode>
+</dgm:layoutDef>
+</file>
+
+<file path=ppt/diagrams/quickStyle1.xml><?xml version="1.0" encoding="utf-8"?>
+<dgm:styleDef xmlns:dgm="http://schemas.openxmlformats.org/drawingml/2006/diagram" xmlns:a="http://schemas.openxmlformats.org/drawingml/2006/main" uniqueId="urn:microsoft.com/office/officeart/2005/8/quickstyle/simple1">
+  <dgm:title val=""/>
+  <dgm:desc val=""/>
+  <dgm:catLst>
+    <dgm:cat type="simple" pri="10100"/>
+  </dgm:catLst>
+  <dgm:scene3d>
+    <a:camera prst="orthographicFront"/>
+    <a:lightRig rig="threePt" dir="t"/>
+  </dgm:scene3d>
+  <dgm:styleLbl name="node0">
+    <dgm:scene3d>
+      <a:camera prst="orthographicFront"/>
+      <a:lightRig rig="threePt" dir="t"/>
+    </dgm:scene3d>
+    <dgm:sp3d/>
+    <dgm:txPr/>
+    <dgm:style>
+      <a:lnRef idx="2">
+        <a:scrgbClr r="0" g="0" b="0"/>
+      </a:lnRef>
+      <a:fillRef idx="1">
+        <a:scrgbClr r="0" g="0" b="0"/>
+      </a:fillRef>
+      <a:effectRef idx="0">
+        <a:scrgbClr r="0" g="0" b="0"/>
+      </a:effectRef>
+      <a:fontRef idx="minor">
+        <a:schemeClr val="lt1"/>
+      </a:fontRef>
+    </dgm:style>
+  </dgm:styleLbl>
+  <dgm:styleLbl name="lnNode1">
+    <dgm:scene3d>
+      <a:camera prst="orthographicFront"/>
+      <a:lightRig rig="threePt" dir="t"/>
+    </dgm:scene3d>
+    <dgm:sp3d/>
+    <dgm:txPr/>
+    <dgm:style>
+      <a:lnRef idx="2">
+        <a:scrgbClr r="0" g="0" b="0"/>
+      </a:lnRef>
+      <a:fillRef idx="1">
+        <a:scrgbClr r="0" g="0" b="0"/>
+      </a:fillRef>
+      <a:effectRef idx="0">
+        <a:scrgbClr r="0" g="0" b="0"/>
+      </a:effectRef>
+      <a:fontRef idx="minor">
+        <a:schemeClr val="lt1"/>
+      </a:fontRef>
+    </dgm:style>
+  </dgm:styleLbl>
+  <dgm:styleLbl name="vennNode1">
+    <dgm:scene3d>
+      <a:camera prst="orthographicFront"/>
+      <a:lightRig rig="threePt" dir="t"/>
+    </dgm:scene3d>
+    <dgm:sp3d/>
+    <dgm:txPr/>
+    <dgm:style>
+      <a:lnRef idx="2">
+        <a:scrgbClr r="0" g="0" b="0"/>
+      </a:lnRef>
+      <a:fillRef idx="1">
+        <a:scrgbClr r="0" g="0" b="0"/>
+      </a:fillRef>
+      <a:effectRef idx="0">
+        <a:scrgbClr r="0" g="0" b="0"/>
+      </a:effectRef>
+      <a:fontRef idx="minor">
+        <a:schemeClr val="tx1"/>
+      </a:fontRef>
+    </dgm:style>
+  </dgm:styleLbl>
+  <dgm:styleLbl name="alignNode1">
+    <dgm:scene3d>
+      <a:camera prst="orthographicFront"/>
+      <a:lightRig rig="threePt" dir="t"/>
+    </dgm:scene3d>
+    <dgm:sp3d/>
+    <dgm:txPr/>
+    <dgm:style>
+      <a:lnRef idx="2">
+        <a:scrgbClr r="0" g="0" b="0"/>
+      </a:lnRef>
+      <a:fillRef idx="1">
+        <a:scrgbClr r="0" g="0" b="0"/>
+      </a:fillRef>
+      <a:effectRef idx="0">
+        <a:scrgbClr r="0" g="0" b="0"/>
+      </a:effectRef>
+      <a:fontRef idx="minor">
+        <a:schemeClr val="lt1"/>
+      </a:fontRef>
+    </dgm:style>
+  </dgm:styleLbl>
+  <dgm:styleLbl name="node1">
+    <dgm:scene3d>
+      <a:camera prst="orthographicFront"/>
+      <a:lightRig rig="threePt" dir="t"/>
+    </dgm:scene3d>
+    <dgm:sp3d/>
+    <dgm:txPr/>
+    <dgm:style>
+      <a:lnRef idx="2">
+        <a:scrgbClr r="0" g="0" b="0"/>
+      </a:lnRef>
+      <a:fillRef idx="1">
+        <a:scrgbClr r="0" g="0" b="0"/>
+      </a:fillRef>
+      <a:effectRef idx="0">
+        <a:scrgbClr r="0" g="0" b="0"/>
+      </a:effectRef>
+      <a:fontRef idx="minor">
+        <a:schemeClr val="lt1"/>
+      </a:fontRef>
+    </dgm:style>
+  </dgm:styleLbl>
+  <dgm:styleLbl name="node2">
+    <dgm:scene3d>
+      <a:camera prst="orthographicFront"/>
+      <a:lightRig rig="threePt" dir="t"/>
+    </dgm:scene3d>
+    <dgm:sp3d/>
+    <dgm:txPr/>
+    <dgm:style>
+      <a:lnRef idx="2">
+        <a:scrgbClr r="0" g="0" b="0"/>
+      </a:lnRef>
+      <a:fillRef idx="1">
+        <a:scrgbClr r="0" g="0" b="0"/>
+      </a:fillRef>
+      <a:effectRef idx="0">
+        <a:scrgbClr r="0" g="0" b="0"/>
+      </a:effectRef>
+      <a:fontRef idx="minor">
+        <a:schemeClr val="lt1"/>
+      </a:fontRef>
+    </dgm:style>
+  </dgm:styleLbl>
+  <dgm:styleLbl name="node3">
+    <dgm:scene3d>
+      <a:camera prst="orthographicFront"/>
+      <a:lightRig rig="threePt" dir="t"/>
+    </dgm:scene3d>
+    <dgm:sp3d/>
+    <dgm:txPr/>
+    <dgm:style>
+      <a:lnRef idx="2">
+        <a:scrgbClr r="0" g="0" b="0"/>
+      </a:lnRef>
+      <a:fillRef idx="1">
+        <a:scrgbClr r="0" g="0" b="0"/>
+      </a:fillRef>
+      <a:effectRef idx="0">
+        <a:scrgbClr r="0" g="0" b="0"/>
+      </a:effectRef>
+      <a:fontRef idx="minor">
+        <a:schemeClr val="lt1"/>
+      </a:fontRef>
+    </dgm:style>
+  </dgm:styleLbl>
+  <dgm:styleLbl name="node4">
+    <dgm:scene3d>
+      <a:camera prst="orthographicFront"/>
+      <a:lightRig rig="threePt" dir="t"/>
+    </dgm:scene3d>
+    <dgm:sp3d/>
+    <dgm:txPr/>
+    <dgm:style>
+      <a:lnRef idx="2">
+        <a:scrgbClr r="0" g="0" b="0"/>
+      </a:lnRef>
+      <a:fillRef idx="1">
+        <a:scrgbClr r="0" g="0" b="0"/>
+      </a:fillRef>
+      <a:effectRef idx="0">
+        <a:scrgbClr r="0" g="0" b="0"/>
+      </a:effectRef>
+      <a:fontRef idx="minor">
+        <a:schemeClr val="lt1"/>
+      </a:fontRef>
+    </dgm:style>
+  </dgm:styleLbl>
+  <dgm:styleLbl name="fgImgPlace1">
+    <dgm:scene3d>
+      <a:camera prst="orthographicFront"/>
+      <a:lightRig rig="threePt" dir="t"/>
+    </dgm:scene3d>
+    <dgm:sp3d/>
+    <dgm:txPr/>
+    <dgm:style>
+      <a:lnRef idx="2">
+        <a:scrgbClr r="0" g="0" b="0"/>
+      </a:lnRef>
+      <a:fillRef idx="1">
+        <a:scrgbClr r="0" g="0" b="0"/>
+      </a:fillRef>
+      <a:effectRef idx="0">
+        <a:scrgbClr r="0" g="0" b="0"/>
+      </a:effectRef>
+      <a:fontRef idx="minor"/>
+    </dgm:style>
+  </dgm:styleLbl>
+  <dgm:styleLbl name="alignImgPlace1">
+    <dgm:scene3d>
+      <a:camera prst="orthographicFront"/>
+      <a:lightRig rig="threePt" dir="t"/>
+    </dgm:scene3d>
+    <dgm:sp3d/>
+    <dgm:txPr/>
+    <dgm:style>
+      <a:lnRef idx="2">
+        <a:scrgbClr r="0" g="0" b="0"/>
+      </a:lnRef>
+      <a:fillRef idx="1">
+        <a:scrgbClr r="0" g="0" b="0"/>
+      </a:fillRef>
+      <a:effectRef idx="0">
+        <a:scrgbClr r="0" g="0" b="0"/>
+      </a:effectRef>
+      <a:fontRef idx="minor"/>
+    </dgm:style>
+  </dgm:styleLbl>
+  <dgm:styleLbl name="bgImgPlace1">
+    <dgm:scene3d>
+      <a:camera prst="orthographicFront"/>
+      <a:lightRig rig="threePt" dir="t"/>
+    </dgm:scene3d>
+    <dgm:sp3d/>
+    <dgm:txPr/>
+    <dgm:style>
+      <a:lnRef idx="2">
+        <a:scrgbClr r="0" g="0" b="0"/>
+      </a:lnRef>
+      <a:fillRef idx="1">
+        <a:scrgbClr r="0" g="0" b="0"/>
+      </a:fillRef>
+      <a:effectRef idx="0">
+        <a:scrgbClr r="0" g="0" b="0"/>
+      </a:effectRef>
+      <a:fontRef idx="minor"/>
+    </dgm:style>
+  </dgm:styleLbl>
+  <dgm:styleLbl name="sibTrans2D1">
+    <dgm:scene3d>
+      <a:camera prst="orthographicFront"/>
+      <a:lightRig rig="threePt" dir="t"/>
+    </dgm:scene3d>
+    <dgm:sp3d/>
+    <dgm:txPr/>
+    <dgm:style>
+      <a:lnRef idx="0">
+        <a:scrgbClr r="0" g="0" b="0"/>
+      </a:lnRef>
+      <a:fillRef idx="1">
+        <a:scrgbClr r="0" g="0" b="0"/>
+      </a:fillRef>
+      <a:effectRef idx="0">
+        <a:scrgbClr r="0" g="0" b="0"/>
+      </a:effectRef>
+      <a:fontRef idx="minor">
+        <a:schemeClr val="lt1"/>
+      </a:fontRef>
+    </dgm:style>
+  </dgm:styleLbl>
+  <dgm:styleLbl name="fgSibTrans2D1">
+    <dgm:scene3d>
+      <a:camera prst="orthographicFront"/>
+      <a:lightRig rig="threePt" dir="t"/>
+    </dgm:scene3d>
+    <dgm:sp3d/>
+    <dgm:txPr/>
+    <dgm:style>
+      <a:lnRef idx="0">
+        <a:scrgbClr r="0" g="0" b="0"/>
+      </a:lnRef>
+      <a:fillRef idx="1">
+        <a:scrgbClr r="0" g="0" b="0"/>
+      </a:fillRef>
+      <a:effectRef idx="0">
+        <a:scrgbClr r="0" g="0" b="0"/>
+      </a:effectRef>
+      <a:fontRef idx="minor">
+        <a:schemeClr val="lt1"/>
+      </a:fontRef>
+    </dgm:style>
+  </dgm:styleLbl>
+  <dgm:styleLbl name="bgSibTrans2D1">
+    <dgm:scene3d>
+      <a:camera prst="orthographicFront"/>
+      <a:lightRig rig="threePt" dir="t"/>
+    </dgm:scene3d>
+    <dgm:sp3d/>
+    <dgm:txPr/>
+    <dgm:style>
+      <a:lnRef idx="0">
+        <a:scrgbClr r="0" g="0" b="0"/>
+      </a:lnRef>
+      <a:fillRef idx="1">
+        <a:scrgbClr r="0" g="0" b="0"/>
+      </a:fillRef>
+      <a:effectRef idx="0">
+        <a:scrgbClr r="0" g="0" b="0"/>
+      </a:effectRef>
+      <a:fontRef idx="minor">
+        <a:schemeClr val="lt1"/>
+      </a:fontRef>
+    </dgm:style>
+  </dgm:styleLbl>
+  <dgm:styleLbl name="sibTrans1D1">
+    <dgm:scene3d>
+      <a:camera prst="orthographicFront"/>
+      <a:lightRig rig="threePt" dir="t"/>
+    </dgm:scene3d>
+    <dgm:sp3d/>
+    <dgm:txPr/>
+    <dgm:style>
+      <a:lnRef idx="1">
+        <a:scrgbClr r="0" g="0" b="0"/>
+      </a:lnRef>
+      <a:fillRef idx="0">
+        <a:scrgbClr r="0" g="0" b="0"/>
+      </a:fillRef>
+      <a:effectRef idx="0">
+        <a:scrgbClr r="0" g="0" b="0"/>
+      </a:effectRef>
+      <a:fontRef idx="minor"/>
+    </dgm:style>
+  </dgm:styleLbl>
+  <dgm:styleLbl name="callout">
+    <dgm:scene3d>
+      <a:camera prst="orthographicFront"/>
+      <a:lightRig rig="threePt" dir="t"/>
+    </dgm:scene3d>
+    <dgm:sp3d/>
+    <dgm:txPr/>
+    <dgm:style>
+      <a:lnRef idx="2">
+        <a:scrgbClr r="0" g="0" b="0"/>
+      </a:lnRef>
+      <a:fillRef idx="1">
+        <a:scrgbClr r="0" g="0" b="0"/>
+      </a:fillRef>
+      <a:effectRef idx="0">
+        <a:scrgbClr r="0" g="0" b="0"/>
+      </a:effectRef>
+      <a:fontRef idx="minor"/>
+    </dgm:style>
+  </dgm:styleLbl>
+  <dgm:styleLbl name="asst0">
+    <dgm:scene3d>
+      <a:camera prst="orthographicFront"/>
+      <a:lightRig rig="threePt" dir="t"/>
+    </dgm:scene3d>
+    <dgm:sp3d/>
+    <dgm:txPr/>
+    <dgm:style>
+      <a:lnRef idx="2">
+        <a:scrgbClr r="0" g="0" b="0"/>
+      </a:lnRef>
+      <a:fillRef idx="1">
+        <a:scrgbClr r="0" g="0" b="0"/>
+      </a:fillRef>
+      <a:effectRef idx="0">
+        <a:scrgbClr r="0" g="0" b="0"/>
+      </a:effectRef>
+      <a:fontRef idx="minor">
+        <a:schemeClr val="lt1"/>
+      </a:fontRef>
+    </dgm:style>
+  </dgm:styleLbl>
+  <dgm:styleLbl name="asst1">
+    <dgm:scene3d>
+      <a:camera prst="orthographicFront"/>
+      <a:lightRig rig="threePt" dir="t"/>
+    </dgm:scene3d>
+    <dgm:sp3d/>
+    <dgm:txPr/>
+    <dgm:style>
+      <a:lnRef idx="2">
+        <a:scrgbClr r="0" g="0" b="0"/>
+      </a:lnRef>
+      <a:fillRef idx="1">
+        <a:scrgbClr r="0" g="0" b="0"/>
+      </a:fillRef>
+      <a:effectRef idx="0">
+        <a:scrgbClr r="0" g="0" b="0"/>
+      </a:effectRef>
+      <a:fontRef idx="minor">
+        <a:schemeClr val="lt1"/>
+      </a:fontRef>
+    </dgm:style>
+  </dgm:styleLbl>
+  <dgm:styleLbl name="asst2">
+    <dgm:scene3d>
+      <a:camera prst="orthographicFront"/>
+      <a:lightRig rig="threePt" dir="t"/>
+    </dgm:scene3d>
+    <dgm:sp3d/>
+    <dgm:txPr/>
+    <dgm:style>
+      <a:lnRef idx="2">
+        <a:scrgbClr r="0" g="0" b="0"/>
+      </a:lnRef>
+      <a:fillRef idx="1">
+        <a:scrgbClr r="0" g="0" b="0"/>
+      </a:fillRef>
+      <a:effectRef idx="0">
+        <a:scrgbClr r="0" g="0" b="0"/>
+      </a:effectRef>
+      <a:fontRef idx="minor">
+        <a:schemeClr val="lt1"/>
+      </a:fontRef>
+    </dgm:style>
+  </dgm:styleLbl>
+  <dgm:styleLbl name="asst3">
+    <dgm:scene3d>
+      <a:camera prst="orthographicFront"/>
+      <a:lightRig rig="threePt" dir="t"/>
+    </dgm:scene3d>
+    <dgm:sp3d/>
+    <dgm:txPr/>
+    <dgm:style>
+      <a:lnRef idx="2">
+        <a:scrgbClr r="0" g="0" b="0"/>
+      </a:lnRef>
+      <a:fillRef idx="1">
+        <a:scrgbClr r="0" g="0" b="0"/>
+      </a:fillRef>
+      <a:effectRef idx="0">
+        <a:scrgbClr r="0" g="0" b="0"/>
+      </a:effectRef>
+      <a:fontRef idx="minor">
+        <a:schemeClr val="lt1"/>
+      </a:fontRef>
+    </dgm:style>
+  </dgm:styleLbl>
+  <dgm:styleLbl name="asst4">
+    <dgm:scene3d>
+      <a:camera prst="orthographicFront"/>
+      <a:lightRig rig="threePt" dir="t"/>
+    </dgm:scene3d>
+    <dgm:sp3d/>
+    <dgm:txPr/>
+    <dgm:style>
+      <a:lnRef idx="2">
+        <a:scrgbClr r="0" g="0" b="0"/>
+      </a:lnRef>
+      <a:fillRef idx="1">
+        <a:scrgbClr r="0" g="0" b="0"/>
+      </a:fillRef>
+      <a:effectRef idx="0">
+        <a:scrgbClr r="0" g="0" b="0"/>
+      </a:effectRef>
+      <a:fontRef idx="minor">
+        <a:schemeClr val="lt1"/>
+      </a:fontRef>
+    </dgm:style>
+  </dgm:styleLbl>
+  <dgm:styleLbl name="parChTrans2D1">
+    <dgm:scene3d>
+      <a:camera prst="orthographicFront"/>
+      <a:lightRig rig="threePt" dir="t"/>
+    </dgm:scene3d>
+    <dgm:sp3d/>
+    <dgm:txPr/>
+    <dgm:style>
+      <a:lnRef idx="2">
+        <a:scrgbClr r="0" g="0" b="0"/>
+      </a:lnRef>
+      <a:fillRef idx="1">
+        <a:scrgbClr r="0" g="0" b="0"/>
+      </a:fillRef>
+      <a:effectRef idx="0">
+        <a:scrgbClr r="0" g="0" b="0"/>
+      </a:effectRef>
+      <a:fontRef idx="minor">
+        <a:schemeClr val="lt1"/>
+      </a:fontRef>
+    </dgm:style>
+  </dgm:styleLbl>
+  <dgm:styleLbl name="parChTrans2D2">
+    <dgm:scene3d>
+      <a:camera prst="orthographicFront"/>
+      <a:lightRig rig="threePt" dir="t"/>
+    </dgm:scene3d>
+    <dgm:sp3d/>
+    <dgm:txPr/>
+    <dgm:style>
+      <a:lnRef idx="2">
+        <a:scrgbClr r="0" g="0" b="0"/>
+      </a:lnRef>
+      <a:fillRef idx="1">
+        <a:scrgbClr r="0" g="0" b="0"/>
+      </a:fillRef>
+      <a:effectRef idx="0">
+        <a:scrgbClr r="0" g="0" b="0"/>
+      </a:effectRef>
+      <a:fontRef idx="minor">
+        <a:schemeClr val="lt1"/>
+      </a:fontRef>
+    </dgm:style>
+  </dgm:styleLbl>
+  <dgm:styleLbl name="parChTrans2D3">
+    <dgm:scene3d>
+      <a:camera prst="orthographicFront"/>
+      <a:lightRig rig="threePt" dir="t"/>
+    </dgm:scene3d>
+    <dgm:sp3d/>
+    <dgm:txPr/>
+    <dgm:style>
+      <a:lnRef idx="2">
+        <a:scrgbClr r="0" g="0" b="0"/>
+      </a:lnRef>
+      <a:fillRef idx="1">
+        <a:scrgbClr r="0" g="0" b="0"/>
+      </a:fillRef>
+      <a:effectRef idx="0">
+        <a:scrgbClr r="0" g="0" b="0"/>
+      </a:effectRef>
+      <a:fontRef idx="minor">
+        <a:schemeClr val="lt1"/>
+      </a:fontRef>
+    </dgm:style>
+  </dgm:styleLbl>
+  <dgm:styleLbl name="parChTrans2D4">
+    <dgm:scene3d>
+      <a:camera prst="orthographicFront"/>
+      <a:lightRig rig="threePt" dir="t"/>
+    </dgm:scene3d>
+    <dgm:sp3d/>
+    <dgm:txPr/>
+    <dgm:style>
+      <a:lnRef idx="2">
+        <a:scrgbClr r="0" g="0" b="0"/>
+      </a:lnRef>
+      <a:fillRef idx="1">
+        <a:scrgbClr r="0" g="0" b="0"/>
+      </a:fillRef>
+      <a:effectRef idx="0">
+        <a:scrgbClr r="0" g="0" b="0"/>
+      </a:effectRef>
+      <a:fontRef idx="minor">
+        <a:schemeClr val="lt1"/>
+      </a:fontRef>
+    </dgm:style>
+  </dgm:styleLbl>
+  <dgm:styleLbl name="parChTrans1D1">
+    <dgm:scene3d>
+      <a:camera prst="orthographicFront"/>
+      <a:lightRig rig="threePt" dir="t"/>
+    </dgm:scene3d>
+    <dgm:sp3d/>
+    <dgm:txPr/>
+    <dgm:style>
+      <a:lnRef idx="2">
+        <a:scrgbClr r="0" g="0" b="0"/>
+      </a:lnRef>
+      <a:fillRef idx="0">
+        <a:scrgbClr r="0" g="0" b="0"/>
+      </a:fillRef>
+      <a:effectRef idx="0">
+        <a:scrgbClr r="0" g="0" b="0"/>
+      </a:effectRef>
+      <a:fontRef idx="minor"/>
+    </dgm:style>
+  </dgm:styleLbl>
+  <dgm:styleLbl name="parChTrans1D2">
+    <dgm:scene3d>
+      <a:camera prst="orthographicFront"/>
+      <a:lightRig rig="threePt" dir="t"/>
+    </dgm:scene3d>
+    <dgm:sp3d/>
+    <dgm:txPr/>
+    <dgm:style>
+      <a:lnRef idx="2">
+        <a:scrgbClr r="0" g="0" b="0"/>
+      </a:lnRef>
+      <a:fillRef idx="0">
+        <a:scrgbClr r="0" g="0" b="0"/>
+      </a:fillRef>
+      <a:effectRef idx="0">
+        <a:scrgbClr r="0" g="0" b="0"/>
+      </a:effectRef>
+      <a:fontRef idx="minor"/>
+    </dgm:style>
+  </dgm:styleLbl>
+  <dgm:styleLbl name="parChTrans1D3">
+    <dgm:scene3d>
+      <a:camera prst="orthographicFront"/>
+      <a:lightRig rig="threePt" dir="t"/>
+    </dgm:scene3d>
+    <dgm:sp3d/>
+    <dgm:txPr/>
+    <dgm:style>
+      <a:lnRef idx="2">
+        <a:scrgbClr r="0" g="0" b="0"/>
+      </a:lnRef>
+      <a:fillRef idx="0">
+        <a:scrgbClr r="0" g="0" b="0"/>
+      </a:fillRef>
+      <a:effectRef idx="0">
+        <a:scrgbClr r="0" g="0" b="0"/>
+      </a:effectRef>
+      <a:fontRef idx="minor"/>
+    </dgm:style>
+  </dgm:styleLbl>
+  <dgm:styleLbl name="parChTrans1D4">
+    <dgm:scene3d>
+      <a:camera prst="orthographicFront"/>
+      <a:lightRig rig="threePt" dir="t"/>
+    </dgm:scene3d>
+    <dgm:sp3d/>
+    <dgm:txPr/>
+    <dgm:style>
+      <a:lnRef idx="2">
+        <a:scrgbClr r="0" g="0" b="0"/>
+      </a:lnRef>
+      <a:fillRef idx="0">
+        <a:scrgbClr r="0" g="0" b="0"/>
+      </a:fillRef>
+      <a:effectRef idx="0">
+        <a:scrgbClr r="0" g="0" b="0"/>
+      </a:effectRef>
+      <a:fontRef idx="minor"/>
+    </dgm:style>
+  </dgm:styleLbl>
+  <dgm:styleLbl name="fgAcc1">
+    <dgm:scene3d>
+      <a:camera prst="orthographicFront"/>
+      <a:lightRig rig="threePt" dir="t"/>
+    </dgm:scene3d>
+    <dgm:sp3d/>
+    <dgm:txPr/>
+    <dgm:style>
+      <a:lnRef idx="2">
+        <a:scrgbClr r="0" g="0" b="0"/>
+      </a:lnRef>
+      <a:fillRef idx="1">
+        <a:scrgbClr r="0" g="0" b="0"/>
+      </a:fillRef>
+      <a:effectRef idx="0">
+        <a:scrgbClr r="0" g="0" b="0"/>
+      </a:effectRef>
+      <a:fontRef idx="minor"/>
+    </dgm:style>
+  </dgm:styleLbl>
+  <dgm:styleLbl name="conFgAcc1">
+    <dgm:scene3d>
+      <a:camera prst="orthographicFront"/>
+      <a:lightRig rig="threePt" dir="t"/>
+    </dgm:scene3d>
+    <dgm:sp3d/>
+    <dgm:txPr/>
+    <dgm:style>
+      <a:lnRef idx="2">
+        <a:scrgbClr r="0" g="0" b="0"/>
+      </a:lnRef>
+      <a:fillRef idx="1">
+        <a:scrgbClr r="0" g="0" b="0"/>
+      </a:fillRef>
+      <a:effectRef idx="0">
+        <a:scrgbClr r="0" g="0" b="0"/>
+      </a:effectRef>
+      <a:fontRef idx="minor"/>
+    </dgm:style>
+  </dgm:styleLbl>
+  <dgm:styleLbl name="alignAcc1">
+    <dgm:scene3d>
+      <a:camera prst="orthographicFront"/>
+      <a:lightRig rig="threePt" dir="t"/>
+    </dgm:scene3d>
+    <dgm:sp3d/>
+    <dgm:txPr/>
+    <dgm:style>
+      <a:lnRef idx="2">
+        <a:scrgbClr r="0" g="0" b="0"/>
+      </a:lnRef>
+      <a:fillRef idx="1">
+        <a:scrgbClr r="0" g="0" b="0"/>
+      </a:fillRef>
+      <a:effectRef idx="0">
+        <a:scrgbClr r="0" g="0" b="0"/>
+      </a:effectRef>
+      <a:fontRef idx="minor"/>
+    </dgm:style>
+  </dgm:styleLbl>
+  <dgm:styleLbl name="trAlignAcc1">
+    <dgm:scene3d>
+      <a:camera prst="orthographicFront"/>
+      <a:lightRig rig="threePt" dir="t"/>
+    </dgm:scene3d>
+    <dgm:sp3d/>
+    <dgm:txPr/>
+    <dgm:style>
+      <a:lnRef idx="1">
+        <a:scrgbClr r="0" g="0" b="0"/>
+      </a:lnRef>
+      <a:fillRef idx="1">
+        <a:scrgbClr r="0" g="0" b="0"/>
+      </a:fillRef>
+      <a:effectRef idx="0">
+        <a:scrgbClr r="0" g="0" b="0"/>
+      </a:effectRef>
+      <a:fontRef idx="minor"/>
+    </dgm:style>
+  </dgm:styleLbl>
+  <dgm:styleLbl name="bgAcc1">
+    <dgm:scene3d>
+      <a:camera prst="orthographicFront"/>
+      <a:lightRig rig="threePt" dir="t"/>
+    </dgm:scene3d>
+    <dgm:sp3d/>
+    <dgm:txPr/>
+    <dgm:style>
+      <a:lnRef idx="2">
+        <a:scrgbClr r="0" g="0" b="0"/>
+      </a:lnRef>
+      <a:fillRef idx="1">
+        <a:scrgbClr r="0" g="0" b="0"/>
+      </a:fillRef>
+      <a:effectRef idx="0">
+        <a:scrgbClr r="0" g="0" b="0"/>
+      </a:effectRef>
+      <a:fontRef idx="minor"/>
+    </dgm:style>
+  </dgm:styleLbl>
+  <dgm:styleLbl name="solidFgAcc1">
+    <dgm:scene3d>
+      <a:camera prst="orthographicFront"/>
+      <a:lightRig rig="threePt" dir="t"/>
+    </dgm:scene3d>
+    <dgm:sp3d/>
+    <dgm:txPr/>
+    <dgm:style>
+      <a:lnRef idx="2">
+        <a:scrgbClr r="0" g="0" b="0"/>
+      </a:lnRef>
+      <a:fillRef idx="1">
+        <a:scrgbClr r="0" g="0" b="0"/>
+      </a:fillRef>
+      <a:effectRef idx="0">
+        <a:scrgbClr r="0" g="0" b="0"/>
+      </a:effectRef>
+      <a:fontRef idx="minor"/>
+    </dgm:style>
+  </dgm:styleLbl>
+  <dgm:styleLbl name="solidAlignAcc1">
+    <dgm:scene3d>
+      <a:camera prst="orthographicFront"/>
+      <a:lightRig rig="threePt" dir="t"/>
+    </dgm:scene3d>
+    <dgm:sp3d/>
+    <dgm:txPr/>
+    <dgm:style>
+      <a:lnRef idx="2">
+        <a:scrgbClr r="0" g="0" b="0"/>
+      </a:lnRef>
+      <a:fillRef idx="1">
+        <a:scrgbClr r="0" g="0" b="0"/>
+      </a:fillRef>
+      <a:effectRef idx="0">
+        <a:scrgbClr r="0" g="0" b="0"/>
+      </a:effectRef>
+      <a:fontRef idx="minor"/>
+    </dgm:style>
+  </dgm:styleLbl>
+  <dgm:styleLbl name="solidBgAcc1">
+    <dgm:scene3d>
+      <a:camera prst="orthographicFront"/>
+      <a:lightRig rig="threePt" dir="t"/>
+    </dgm:scene3d>
+    <dgm:sp3d/>
+    <dgm:txPr/>
+    <dgm:style>
+      <a:lnRef idx="2">
+        <a:scrgbClr r="0" g="0" b="0"/>
+      </a:lnRef>
+      <a:fillRef idx="1">
+        <a:scrgbClr r="0" g="0" b="0"/>
+      </a:fillRef>
+      <a:effectRef idx="0">
+        <a:scrgbClr r="0" g="0" b="0"/>
+      </a:effectRef>
+      <a:fontRef idx="minor"/>
+    </dgm:style>
+  </dgm:styleLbl>
+  <dgm:styleLbl name="fgAccFollowNode1">
+    <dgm:scene3d>
+      <a:camera prst="orthographicFront"/>
+      <a:lightRig rig="threePt" dir="t"/>
+    </dgm:scene3d>
+    <dgm:sp3d/>
+    <dgm:txPr/>
+    <dgm:style>
+      <a:lnRef idx="2">
+        <a:scrgbClr r="0" g="0" b="0"/>
+      </a:lnRef>
+      <a:fillRef idx="1">
+        <a:scrgbClr r="0" g="0" b="0"/>
+      </a:fillRef>
+      <a:effectRef idx="0">
+        <a:scrgbClr r="0" g="0" b="0"/>
+      </a:effectRef>
+      <a:fontRef idx="minor"/>
+    </dgm:style>
+  </dgm:styleLbl>
+  <dgm:styleLbl name="alignAccFollowNode1">
+    <dgm:scene3d>
+      <a:camera prst="orthographicFront"/>
+      <a:lightRig rig="threePt" dir="t"/>
+    </dgm:scene3d>
+    <dgm:sp3d/>
+    <dgm:txPr/>
+    <dgm:style>
+      <a:lnRef idx="2">
+        <a:scrgbClr r="0" g="0" b="0"/>
+      </a:lnRef>
+      <a:fillRef idx="1">
+        <a:scrgbClr r="0" g="0" b="0"/>
+      </a:fillRef>
+      <a:effectRef idx="0">
+        <a:scrgbClr r="0" g="0" b="0"/>
+      </a:effectRef>
+      <a:fontRef idx="minor"/>
+    </dgm:style>
+  </dgm:styleLbl>
+  <dgm:styleLbl name="bgAccFollowNode1">
+    <dgm:scene3d>
+      <a:camera prst="orthographicFront"/>
+      <a:lightRig rig="threePt" dir="t"/>
+    </dgm:scene3d>
+    <dgm:sp3d/>
+    <dgm:txPr/>
+    <dgm:style>
+      <a:lnRef idx="2">
+        <a:scrgbClr r="0" g="0" b="0"/>
+      </a:lnRef>
+      <a:fillRef idx="1">
+        <a:scrgbClr r="0" g="0" b="0"/>
+      </a:fillRef>
+      <a:effectRef idx="0">
+        <a:scrgbClr r="0" g="0" b="0"/>
+      </a:effectRef>
+      <a:fontRef idx="minor"/>
+    </dgm:style>
+  </dgm:styleLbl>
+  <dgm:styleLbl name="fgAcc0">
+    <dgm:scene3d>
+      <a:camera prst="orthographicFront"/>
+      <a:lightRig rig="threePt" dir="t"/>
+    </dgm:scene3d>
+    <dgm:sp3d/>
+    <dgm:txPr/>
+    <dgm:style>
+      <a:lnRef idx="2">
+        <a:scrgbClr r="0" g="0" b="0"/>
+      </a:lnRef>
+      <a:fillRef idx="1">
+        <a:scrgbClr r="0" g="0" b="0"/>
+      </a:fillRef>
+      <a:effectRef idx="0">
+        <a:scrgbClr r="0" g="0" b="0"/>
+      </a:effectRef>
+      <a:fontRef idx="minor"/>
+    </dgm:style>
+  </dgm:styleLbl>
+  <dgm:styleLbl name="fgAcc2">
+    <dgm:scene3d>
+      <a:camera prst="orthographicFront"/>
+      <a:lightRig rig="threePt" dir="t"/>
+    </dgm:scene3d>
+    <dgm:sp3d/>
+    <dgm:txPr/>
+    <dgm:style>
+      <a:lnRef idx="2">
+        <a:scrgbClr r="0" g="0" b="0"/>
+      </a:lnRef>
+      <a:fillRef idx="1">
+        <a:scrgbClr r="0" g="0" b="0"/>
+      </a:fillRef>
+      <a:effectRef idx="0">
+        <a:scrgbClr r="0" g="0" b="0"/>
+      </a:effectRef>
+      <a:fontRef idx="minor"/>
+    </dgm:style>
+  </dgm:styleLbl>
+  <dgm:styleLbl name="fgAcc3">
+    <dgm:scene3d>
+      <a:camera prst="orthographicFront"/>
+      <a:lightRig rig="threePt" dir="t"/>
+    </dgm:scene3d>
+    <dgm:sp3d/>
+    <dgm:txPr/>
+    <dgm:style>
+      <a:lnRef idx="2">
+        <a:scrgbClr r="0" g="0" b="0"/>
+      </a:lnRef>
+      <a:fillRef idx="1">
+        <a:scrgbClr r="0" g="0" b="0"/>
+      </a:fillRef>
+      <a:effectRef idx="0">
+        <a:scrgbClr r="0" g="0" b="0"/>
+      </a:effectRef>
+      <a:fontRef idx="minor"/>
+    </dgm:style>
+  </dgm:styleLbl>
+  <dgm:styleLbl name="fgAcc4">
+    <dgm:scene3d>
+      <a:camera prst="orthographicFront"/>
+      <a:lightRig rig="threePt" dir="t"/>
+    </dgm:scene3d>
+    <dgm:sp3d/>
+    <dgm:txPr/>
+    <dgm:style>
+      <a:lnRef idx="2">
+        <a:scrgbClr r="0" g="0" b="0"/>
+      </a:lnRef>
+      <a:fillRef idx="1">
+        <a:scrgbClr r="0" g="0" b="0"/>
+      </a:fillRef>
+      <a:effectRef idx="0">
+        <a:scrgbClr r="0" g="0" b="0"/>
+      </a:effectRef>
+      <a:fontRef idx="minor"/>
+    </dgm:style>
+  </dgm:styleLbl>
+  <dgm:styleLbl name="bgShp">
+    <dgm:scene3d>
+      <a:camera prst="orthographicFront"/>
+      <a:lightRig rig="threePt" dir="t"/>
+    </dgm:scene3d>
+    <dgm:sp3d/>
+    <dgm:txPr/>
+    <dgm:style>
+      <a:lnRef idx="0">
+        <a:scrgbClr r="0" g="0" b="0"/>
+      </a:lnRef>
+      <a:fillRef idx="1">
+        <a:scrgbClr r="0" g="0" b="0"/>
+      </a:fillRef>
+      <a:effectRef idx="0">
+        <a:scrgbClr r="0" g="0" b="0"/>
+      </a:effectRef>
+      <a:fontRef idx="minor"/>
+    </dgm:style>
+  </dgm:styleLbl>
+  <dgm:styleLbl name="dkBgShp">
+    <dgm:scene3d>
+      <a:camera prst="orthographicFront"/>
+      <a:lightRig rig="threePt" dir="t"/>
+    </dgm:scene3d>
+    <dgm:sp3d/>
+    <dgm:txPr/>
+    <dgm:style>
+      <a:lnRef idx="0">
+        <a:scrgbClr r="0" g="0" b="0"/>
+      </a:lnRef>
+      <a:fillRef idx="1">
+        <a:scrgbClr r="0" g="0" b="0"/>
+      </a:fillRef>
+      <a:effectRef idx="0">
+        <a:scrgbClr r="0" g="0" b="0"/>
+      </a:effectRef>
+      <a:fontRef idx="minor"/>
+    </dgm:style>
+  </dgm:styleLbl>
+  <dgm:styleLbl name="trBgShp">
+    <dgm:scene3d>
+      <a:camera prst="orthographicFront"/>
+      <a:lightRig rig="threePt" dir="t"/>
+    </dgm:scene3d>
+    <dgm:sp3d/>
+    <dgm:txPr/>
+    <dgm:style>
+      <a:lnRef idx="0">
+        <a:scrgbClr r="0" g="0" b="0"/>
+      </a:lnRef>
+      <a:fillRef idx="1">
+        <a:scrgbClr r="0" g="0" b="0"/>
+      </a:fillRef>
+      <a:effectRef idx="0">
+        <a:scrgbClr r="0" g="0" b="0"/>
+      </a:effectRef>
+      <a:fontRef idx="minor"/>
+    </dgm:style>
+  </dgm:styleLbl>
+  <dgm:styleLbl name="fgShp">
+    <dgm:scene3d>
+      <a:camera prst="orthographicFront"/>
+      <a:lightRig rig="threePt" dir="t"/>
+    </dgm:scene3d>
+    <dgm:sp3d/>
+    <dgm:txPr/>
+    <dgm:style>
+      <a:lnRef idx="2">
+        <a:scrgbClr r="0" g="0" b="0"/>
+      </a:lnRef>
+      <a:fillRef idx="1">
+        <a:scrgbClr r="0" g="0" b="0"/>
+      </a:fillRef>
+      <a:effectRef idx="0">
+        <a:scrgbClr r="0" g="0" b="0"/>
+      </a:effectRef>
+      <a:fontRef idx="minor"/>
+    </dgm:style>
+  </dgm:styleLbl>
+  <dgm:styleLbl name="revTx">
+    <dgm:scene3d>
+      <a:camera prst="orthographicFront"/>
+      <a:lightRig rig="threePt" dir="t"/>
+    </dgm:scene3d>
+    <dgm:sp3d/>
+    <dgm:txPr/>
+    <dgm:style>
+      <a:lnRef idx="0">
+        <a:scrgbClr r="0" g="0" b="0"/>
+      </a:lnRef>
+      <a:fillRef idx="0">
+        <a:scrgbClr r="0" g="0" b="0"/>
+      </a:fillRef>
+      <a:effectRef idx="0">
+        <a:scrgbClr r="0" g="0" b="0"/>
+      </a:effectRef>
+      <a:fontRef idx="minor"/>
+    </dgm:style>
+  </dgm:styleLbl>
+</dgm:styleDef>
+</file>
+
 <file path=ppt/notesMasters/notesMaster1.xml><?xml version="1.0" encoding="utf-8"?>
 <p:notesMaster xmlns:a="http://schemas.openxmlformats.org/drawingml/2006/main" xmlns:r="http://schemas.openxmlformats.org/officeDocument/2006/relationships" xmlns:p="http://schemas.openxmlformats.org/presentationml/2006/main">
   <p:cSld>
@@ -197,7 +3094,7 @@
           <a:p>
             <a:fld id="{8569B522-8390-453B-A8F0-3C96BAC841F8}" type="datetimeFigureOut">
               <a:rPr lang="en-US" smtClean="0"/>
-              <a:t>5/9/2015</a:t>
+              <a:t>5/10/2015</a:t>
             </a:fld>
             <a:endParaRPr lang="en-US" dirty="0"/>
           </a:p>
@@ -525,13 +3422,29 @@
           </a:bodyPr>
           <a:lstStyle/>
           <a:p>
-            <a:pPr marL="285750" indent="-285750">
+            <a:pPr marL="0" indent="0">
               <a:spcBef>
                 <a:spcPct val="0"/>
               </a:spcBef>
               <a:buFont typeface="Wingdings"/>
-              <a:buChar char="Ø"/>
+              <a:buNone/>
             </a:pPr>
+            <a:r>
+              <a:rPr lang="en-US" sz="1600" dirty="0" smtClean="0"/>
+              <a:t>This presentation introduces</a:t>
+            </a:r>
+            <a:r>
+              <a:rPr lang="en-US" sz="1600" baseline="0" dirty="0" smtClean="0"/>
+              <a:t> the </a:t>
+            </a:r>
+            <a:r>
+              <a:rPr lang="en-US" sz="1600" baseline="0" dirty="0" err="1" smtClean="0"/>
+              <a:t>mdTranslator</a:t>
+            </a:r>
+            <a:r>
+              <a:rPr lang="en-US" sz="1600" baseline="0" dirty="0" smtClean="0"/>
+              <a:t> command-line interface(CLI) and options for integration into non-Ruby systems.</a:t>
+            </a:r>
             <a:endParaRPr lang="en-US" sz="1600" dirty="0" smtClean="0"/>
           </a:p>
         </p:txBody>
@@ -580,6 +3493,372 @@
         </p:txBody>
       </p:sp>
     </p:spTree>
+  </p:cSld>
+  <p:clrMapOvr>
+    <a:masterClrMapping/>
+  </p:clrMapOvr>
+</p:notes>
+</file>
+
+<file path=ppt/notesSlides/notesSlide2.xml><?xml version="1.0" encoding="utf-8"?>
+<p:notes xmlns:a="http://schemas.openxmlformats.org/drawingml/2006/main" xmlns:r="http://schemas.openxmlformats.org/officeDocument/2006/relationships" xmlns:p="http://schemas.openxmlformats.org/presentationml/2006/main">
+  <p:cSld>
+    <p:spTree>
+      <p:nvGrpSpPr>
+        <p:cNvPr id="1" name=""/>
+        <p:cNvGrpSpPr/>
+        <p:nvPr/>
+      </p:nvGrpSpPr>
+      <p:grpSpPr>
+        <a:xfrm>
+          <a:off x="0" y="0"/>
+          <a:ext cx="0" cy="0"/>
+          <a:chOff x="0" y="0"/>
+          <a:chExt cx="0" cy="0"/>
+        </a:xfrm>
+      </p:grpSpPr>
+      <p:sp>
+        <p:nvSpPr>
+          <p:cNvPr id="2" name="Slide Image Placeholder 1"/>
+          <p:cNvSpPr>
+            <a:spLocks noGrp="1" noRot="1" noChangeAspect="1"/>
+          </p:cNvSpPr>
+          <p:nvPr>
+            <p:ph type="sldImg"/>
+          </p:nvPr>
+        </p:nvSpPr>
+        <p:spPr/>
+      </p:sp>
+      <p:sp>
+        <p:nvSpPr>
+          <p:cNvPr id="3" name="Notes Placeholder 2"/>
+          <p:cNvSpPr>
+            <a:spLocks noGrp="1"/>
+          </p:cNvSpPr>
+          <p:nvPr>
+            <p:ph type="body" idx="1"/>
+          </p:nvPr>
+        </p:nvSpPr>
+        <p:spPr/>
+        <p:txBody>
+          <a:bodyPr/>
+          <a:lstStyle/>
+          <a:p>
+            <a:r>
+              <a:rPr lang="en-US" dirty="0" smtClean="0"/>
+              <a:t>If application language can execute system commands,</a:t>
+            </a:r>
+            <a:r>
+              <a:rPr lang="en-US" baseline="0" dirty="0" smtClean="0"/>
+              <a:t> it can interact with the CLI.</a:t>
+            </a:r>
+            <a:endParaRPr lang="en-US" dirty="0"/>
+          </a:p>
+        </p:txBody>
+      </p:sp>
+      <p:sp>
+        <p:nvSpPr>
+          <p:cNvPr id="4" name="Slide Number Placeholder 3"/>
+          <p:cNvSpPr>
+            <a:spLocks noGrp="1"/>
+          </p:cNvSpPr>
+          <p:nvPr>
+            <p:ph type="sldNum" sz="quarter" idx="10"/>
+          </p:nvPr>
+        </p:nvSpPr>
+        <p:spPr/>
+        <p:txBody>
+          <a:bodyPr/>
+          <a:lstStyle/>
+          <a:p>
+            <a:fld id="{86E298D3-FAEC-4429-BBB2-6E24FE792F56}" type="slidenum">
+              <a:rPr lang="en-US" smtClean="0"/>
+              <a:t>2</a:t>
+            </a:fld>
+            <a:endParaRPr lang="en-US" dirty="0"/>
+          </a:p>
+        </p:txBody>
+      </p:sp>
+    </p:spTree>
+    <p:extLst>
+      <p:ext uri="{BB962C8B-B14F-4D97-AF65-F5344CB8AC3E}">
+        <p14:creationId xmlns:p14="http://schemas.microsoft.com/office/powerpoint/2010/main" val="3604213999"/>
+      </p:ext>
+    </p:extLst>
+  </p:cSld>
+  <p:clrMapOvr>
+    <a:masterClrMapping/>
+  </p:clrMapOvr>
+</p:notes>
+</file>
+
+<file path=ppt/notesSlides/notesSlide3.xml><?xml version="1.0" encoding="utf-8"?>
+<p:notes xmlns:a="http://schemas.openxmlformats.org/drawingml/2006/main" xmlns:r="http://schemas.openxmlformats.org/officeDocument/2006/relationships" xmlns:p="http://schemas.openxmlformats.org/presentationml/2006/main">
+  <p:cSld>
+    <p:spTree>
+      <p:nvGrpSpPr>
+        <p:cNvPr id="1" name=""/>
+        <p:cNvGrpSpPr/>
+        <p:nvPr/>
+      </p:nvGrpSpPr>
+      <p:grpSpPr>
+        <a:xfrm>
+          <a:off x="0" y="0"/>
+          <a:ext cx="0" cy="0"/>
+          <a:chOff x="0" y="0"/>
+          <a:chExt cx="0" cy="0"/>
+        </a:xfrm>
+      </p:grpSpPr>
+      <p:sp>
+        <p:nvSpPr>
+          <p:cNvPr id="2" name="Slide Image Placeholder 1"/>
+          <p:cNvSpPr>
+            <a:spLocks noGrp="1" noRot="1" noChangeAspect="1"/>
+          </p:cNvSpPr>
+          <p:nvPr>
+            <p:ph type="sldImg"/>
+          </p:nvPr>
+        </p:nvSpPr>
+        <p:spPr/>
+      </p:sp>
+      <p:sp>
+        <p:nvSpPr>
+          <p:cNvPr id="3" name="Notes Placeholder 2"/>
+          <p:cNvSpPr>
+            <a:spLocks noGrp="1"/>
+          </p:cNvSpPr>
+          <p:nvPr>
+            <p:ph type="body" idx="1"/>
+          </p:nvPr>
+        </p:nvSpPr>
+        <p:spPr/>
+        <p:txBody>
+          <a:bodyPr/>
+          <a:lstStyle/>
+          <a:p>
+            <a:r>
+              <a:rPr lang="en-US" dirty="0" smtClean="0"/>
+              <a:t>Line 2 The function accepts</a:t>
+            </a:r>
+            <a:r>
+              <a:rPr lang="en-US" baseline="0" dirty="0" smtClean="0"/>
+              <a:t> a </a:t>
+            </a:r>
+            <a:r>
+              <a:rPr lang="en-US" dirty="0" smtClean="0"/>
+              <a:t>JSON string</a:t>
+            </a:r>
+            <a:r>
+              <a:rPr lang="en-US" baseline="0" dirty="0" smtClean="0"/>
+              <a:t> and format to output as parameters.</a:t>
+            </a:r>
+            <a:endParaRPr lang="en-US" dirty="0" smtClean="0"/>
+          </a:p>
+          <a:p>
+            <a:r>
+              <a:rPr lang="en-US" dirty="0" smtClean="0"/>
+              <a:t>Lines 4-7 take the </a:t>
+            </a:r>
+            <a:r>
+              <a:rPr lang="en-US" dirty="0" err="1" smtClean="0"/>
+              <a:t>json</a:t>
+            </a:r>
+            <a:r>
+              <a:rPr lang="en-US" dirty="0" smtClean="0"/>
+              <a:t> input and create</a:t>
+            </a:r>
+            <a:r>
+              <a:rPr lang="en-US" baseline="0" dirty="0" smtClean="0"/>
+              <a:t> a temp file</a:t>
+            </a:r>
+            <a:endParaRPr lang="en-US" dirty="0" smtClean="0"/>
+          </a:p>
+          <a:p>
+            <a:r>
+              <a:rPr lang="en-US" dirty="0" smtClean="0"/>
+              <a:t>Line 8</a:t>
+            </a:r>
+            <a:r>
+              <a:rPr lang="en-US" baseline="0" dirty="0" smtClean="0"/>
+              <a:t> calls the </a:t>
+            </a:r>
+            <a:r>
+              <a:rPr lang="en-US" baseline="0" dirty="0" err="1" smtClean="0"/>
+              <a:t>mdTranslator</a:t>
+            </a:r>
+            <a:r>
+              <a:rPr lang="en-US" baseline="0" dirty="0" smtClean="0"/>
+              <a:t> CLI and passes options and input file location.</a:t>
+            </a:r>
+          </a:p>
+          <a:p>
+            <a:r>
+              <a:rPr lang="en-US" baseline="0" dirty="0" smtClean="0"/>
+              <a:t>Line 11 decodes the output from the CLI</a:t>
+            </a:r>
+          </a:p>
+          <a:p>
+            <a:r>
+              <a:rPr lang="en-US" baseline="0" dirty="0" smtClean="0"/>
+              <a:t>Line 13-17 check for output errors. Line 13 is checking the CLI exit code.</a:t>
+            </a:r>
+          </a:p>
+          <a:p>
+            <a:r>
+              <a:rPr lang="en-US" baseline="0" dirty="0" smtClean="0"/>
+              <a:t>Line 19 returns the translated output.</a:t>
+            </a:r>
+            <a:endParaRPr lang="en-US" dirty="0"/>
+          </a:p>
+        </p:txBody>
+      </p:sp>
+      <p:sp>
+        <p:nvSpPr>
+          <p:cNvPr id="4" name="Slide Number Placeholder 3"/>
+          <p:cNvSpPr>
+            <a:spLocks noGrp="1"/>
+          </p:cNvSpPr>
+          <p:nvPr>
+            <p:ph type="sldNum" sz="quarter" idx="10"/>
+          </p:nvPr>
+        </p:nvSpPr>
+        <p:spPr/>
+        <p:txBody>
+          <a:bodyPr/>
+          <a:lstStyle/>
+          <a:p>
+            <a:fld id="{86E298D3-FAEC-4429-BBB2-6E24FE792F56}" type="slidenum">
+              <a:rPr lang="en-US" smtClean="0"/>
+              <a:t>5</a:t>
+            </a:fld>
+            <a:endParaRPr lang="en-US" dirty="0"/>
+          </a:p>
+        </p:txBody>
+      </p:sp>
+    </p:spTree>
+    <p:extLst>
+      <p:ext uri="{BB962C8B-B14F-4D97-AF65-F5344CB8AC3E}">
+        <p14:creationId xmlns:p14="http://schemas.microsoft.com/office/powerpoint/2010/main" val="3317026293"/>
+      </p:ext>
+    </p:extLst>
+  </p:cSld>
+  <p:clrMapOvr>
+    <a:masterClrMapping/>
+  </p:clrMapOvr>
+</p:notes>
+</file>
+
+<file path=ppt/notesSlides/notesSlide4.xml><?xml version="1.0" encoding="utf-8"?>
+<p:notes xmlns:a="http://schemas.openxmlformats.org/drawingml/2006/main" xmlns:r="http://schemas.openxmlformats.org/officeDocument/2006/relationships" xmlns:p="http://schemas.openxmlformats.org/presentationml/2006/main">
+  <p:cSld>
+    <p:spTree>
+      <p:nvGrpSpPr>
+        <p:cNvPr id="1" name=""/>
+        <p:cNvGrpSpPr/>
+        <p:nvPr/>
+      </p:nvGrpSpPr>
+      <p:grpSpPr>
+        <a:xfrm>
+          <a:off x="0" y="0"/>
+          <a:ext cx="0" cy="0"/>
+          <a:chOff x="0" y="0"/>
+          <a:chExt cx="0" cy="0"/>
+        </a:xfrm>
+      </p:grpSpPr>
+      <p:sp>
+        <p:nvSpPr>
+          <p:cNvPr id="2" name="Slide Image Placeholder 1"/>
+          <p:cNvSpPr>
+            <a:spLocks noGrp="1" noRot="1" noChangeAspect="1"/>
+          </p:cNvSpPr>
+          <p:nvPr>
+            <p:ph type="sldImg"/>
+          </p:nvPr>
+        </p:nvSpPr>
+        <p:spPr/>
+      </p:sp>
+      <p:sp>
+        <p:nvSpPr>
+          <p:cNvPr id="3" name="Notes Placeholder 2"/>
+          <p:cNvSpPr>
+            <a:spLocks noGrp="1"/>
+          </p:cNvSpPr>
+          <p:nvPr>
+            <p:ph type="body" idx="1"/>
+          </p:nvPr>
+        </p:nvSpPr>
+        <p:spPr/>
+        <p:txBody>
+          <a:bodyPr/>
+          <a:lstStyle/>
+          <a:p>
+            <a:r>
+              <a:rPr lang="en-US" dirty="0" smtClean="0"/>
+              <a:t>The Arctic LCC has integrated the </a:t>
+            </a:r>
+            <a:r>
+              <a:rPr lang="en-US" dirty="0" err="1" smtClean="0"/>
+              <a:t>mdTranslator</a:t>
+            </a:r>
+            <a:r>
+              <a:rPr lang="en-US" baseline="0" dirty="0" smtClean="0"/>
+              <a:t> into it’s Project Tracking System.</a:t>
+            </a:r>
+          </a:p>
+          <a:p>
+            <a:r>
+              <a:rPr lang="en-US" baseline="0" dirty="0" smtClean="0"/>
+              <a:t>The goal is to host a </a:t>
+            </a:r>
+            <a:r>
+              <a:rPr lang="en-US" baseline="0" dirty="0" err="1" smtClean="0"/>
+              <a:t>webservice</a:t>
+            </a:r>
+            <a:r>
+              <a:rPr lang="en-US" baseline="0" dirty="0" smtClean="0"/>
+              <a:t> providing access to multiple metadata formats using the output from the </a:t>
+            </a:r>
+            <a:r>
+              <a:rPr lang="en-US" baseline="0" dirty="0" err="1" smtClean="0"/>
+              <a:t>mdTranslator</a:t>
+            </a:r>
+            <a:r>
+              <a:rPr lang="en-US" baseline="0" dirty="0" smtClean="0"/>
+              <a:t>.</a:t>
+            </a:r>
+            <a:endParaRPr lang="en-US" dirty="0"/>
+          </a:p>
+        </p:txBody>
+      </p:sp>
+      <p:sp>
+        <p:nvSpPr>
+          <p:cNvPr id="4" name="Slide Number Placeholder 3"/>
+          <p:cNvSpPr>
+            <a:spLocks noGrp="1"/>
+          </p:cNvSpPr>
+          <p:nvPr>
+            <p:ph type="sldNum" sz="quarter" idx="10"/>
+          </p:nvPr>
+        </p:nvSpPr>
+        <p:spPr/>
+        <p:txBody>
+          <a:bodyPr/>
+          <a:lstStyle/>
+          <a:p>
+            <a:fld id="{86E298D3-FAEC-4429-BBB2-6E24FE792F56}" type="slidenum">
+              <a:rPr lang="en-US" smtClean="0"/>
+              <a:t>6</a:t>
+            </a:fld>
+            <a:endParaRPr lang="en-US" dirty="0"/>
+          </a:p>
+        </p:txBody>
+      </p:sp>
+    </p:spTree>
+    <p:extLst>
+      <p:ext uri="{BB962C8B-B14F-4D97-AF65-F5344CB8AC3E}">
+        <p14:creationId xmlns:p14="http://schemas.microsoft.com/office/powerpoint/2010/main" val="912144938"/>
+      </p:ext>
+    </p:extLst>
   </p:cSld>
   <p:clrMapOvr>
     <a:masterClrMapping/>
@@ -788,7 +4067,7 @@
                   </a:srgbClr>
                 </a:solidFill>
               </a:rPr>
-              <a:t>5/9/2015</a:t>
+              <a:t>5/10/2015</a:t>
             </a:fld>
             <a:endParaRPr lang="en-US" dirty="0">
               <a:solidFill>
@@ -1030,7 +4309,7 @@
                   </a:srgbClr>
                 </a:solidFill>
               </a:rPr>
-              <a:t>5/9/2015</a:t>
+              <a:t>5/10/2015</a:t>
             </a:fld>
             <a:endParaRPr lang="en-US" dirty="0">
               <a:solidFill>
@@ -1329,7 +4608,7 @@
               <a:pPr>
                 <a:defRPr/>
               </a:pPr>
-              <a:t>5/9/2015</a:t>
+              <a:t>5/10/2015</a:t>
             </a:fld>
             <a:endParaRPr lang="en-US" dirty="0">
               <a:solidFill>
@@ -1551,7 +4830,7 @@
               <a:pPr>
                 <a:defRPr/>
               </a:pPr>
-              <a:t>5/9/2015</a:t>
+              <a:t>5/10/2015</a:t>
             </a:fld>
             <a:endParaRPr lang="en-US" dirty="0">
               <a:solidFill>
@@ -1843,7 +5122,7 @@
               <a:pPr>
                 <a:defRPr/>
               </a:pPr>
-              <a:t>5/9/2015</a:t>
+              <a:t>5/10/2015</a:t>
             </a:fld>
             <a:endParaRPr lang="en-US" dirty="0">
               <a:solidFill>
@@ -2157,7 +5436,7 @@
               <a:pPr>
                 <a:defRPr/>
               </a:pPr>
-              <a:t>5/9/2015</a:t>
+              <a:t>5/10/2015</a:t>
             </a:fld>
             <a:endParaRPr lang="en-US" dirty="0">
               <a:solidFill>
@@ -2585,7 +5864,7 @@
               <a:pPr>
                 <a:defRPr/>
               </a:pPr>
-              <a:t>5/9/2015</a:t>
+              <a:t>5/10/2015</a:t>
             </a:fld>
             <a:endParaRPr lang="en-US" dirty="0">
               <a:solidFill>
@@ -2785,7 +6064,7 @@
               <a:pPr>
                 <a:defRPr/>
               </a:pPr>
-              <a:t>5/9/2015</a:t>
+              <a:t>5/10/2015</a:t>
             </a:fld>
             <a:endParaRPr lang="en-US" dirty="0">
               <a:solidFill>
@@ -2925,7 +6204,7 @@
               <a:pPr>
                 <a:defRPr/>
               </a:pPr>
-              <a:t>5/9/2015</a:t>
+              <a:t>5/10/2015</a:t>
             </a:fld>
             <a:endParaRPr lang="en-US" dirty="0">
               <a:solidFill>
@@ -3236,7 +6515,7 @@
               <a:pPr>
                 <a:defRPr/>
               </a:pPr>
-              <a:t>5/9/2015</a:t>
+              <a:t>5/10/2015</a:t>
             </a:fld>
             <a:endParaRPr lang="en-US" dirty="0">
               <a:solidFill>
@@ -3596,7 +6875,7 @@
               <a:pPr>
                 <a:defRPr/>
               </a:pPr>
-              <a:t>5/9/2015</a:t>
+              <a:t>5/10/2015</a:t>
             </a:fld>
             <a:endParaRPr lang="en-US" dirty="0">
               <a:solidFill>
@@ -4176,7 +7455,7 @@
                   </a:srgbClr>
                 </a:solidFill>
               </a:rPr>
-              <a:t>5/9/2015</a:t>
+              <a:t>5/10/2015</a:t>
             </a:fld>
             <a:endParaRPr lang="en-US" dirty="0">
               <a:solidFill>
@@ -4412,7 +7691,7 @@
               <a:pPr>
                 <a:defRPr/>
               </a:pPr>
-              <a:t>5/9/2015</a:t>
+              <a:t>5/10/2015</a:t>
             </a:fld>
             <a:endParaRPr lang="en-US" dirty="0">
               <a:solidFill>
@@ -4637,7 +7916,7 @@
               <a:pPr>
                 <a:defRPr/>
               </a:pPr>
-              <a:t>5/9/2015</a:t>
+              <a:t>5/10/2015</a:t>
             </a:fld>
             <a:endParaRPr lang="en-US" dirty="0">
               <a:solidFill>
@@ -4882,7 +8161,7 @@
                   </a:srgbClr>
                 </a:solidFill>
               </a:rPr>
-              <a:t>5/9/2015</a:t>
+              <a:t>5/10/2015</a:t>
             </a:fld>
             <a:endParaRPr lang="en-US" dirty="0">
               <a:solidFill>
@@ -5257,7 +8536,7 @@
                   </a:srgbClr>
                 </a:solidFill>
               </a:rPr>
-              <a:t>5/9/2015</a:t>
+              <a:t>5/10/2015</a:t>
             </a:fld>
             <a:endParaRPr lang="en-US" dirty="0">
               <a:solidFill>
@@ -5559,7 +8838,7 @@
                   </a:srgbClr>
                 </a:solidFill>
               </a:rPr>
-              <a:t>5/9/2015</a:t>
+              <a:t>5/10/2015</a:t>
             </a:fld>
             <a:endParaRPr lang="en-US" dirty="0">
               <a:solidFill>
@@ -5716,7 +8995,7 @@
                   </a:srgbClr>
                 </a:solidFill>
               </a:rPr>
-              <a:t>5/9/2015</a:t>
+              <a:t>5/10/2015</a:t>
             </a:fld>
             <a:endParaRPr lang="en-US" dirty="0">
               <a:solidFill>
@@ -6071,7 +9350,7 @@
                   </a:srgbClr>
                 </a:solidFill>
               </a:rPr>
-              <a:t>5/9/2015</a:t>
+              <a:t>5/10/2015</a:t>
             </a:fld>
             <a:endParaRPr lang="en-US" dirty="0">
               <a:solidFill>
@@ -6407,7 +9686,7 @@
                   </a:srgbClr>
                 </a:solidFill>
               </a:rPr>
-              <a:t>5/9/2015</a:t>
+              <a:t>5/10/2015</a:t>
             </a:fld>
             <a:endParaRPr lang="en-US" dirty="0">
               <a:solidFill>
@@ -6644,7 +9923,7 @@
                   </a:srgbClr>
                 </a:solidFill>
               </a:rPr>
-              <a:t>5/9/2015</a:t>
+              <a:t>5/10/2015</a:t>
             </a:fld>
             <a:endParaRPr lang="en-US" dirty="0">
               <a:solidFill>
@@ -6927,7 +10206,7 @@
             <a:fld id="{5AE4DD19-95FB-4280-9209-E7E1030A9938}" type="datetime1">
               <a:rPr lang="en-US" smtClean="0"/>
               <a:pPr/>
-              <a:t>5/9/2015</a:t>
+              <a:t>5/10/2015</a:t>
             </a:fld>
             <a:r>
               <a:rPr lang="en-US" dirty="0" smtClean="0"/>
@@ -7900,7 +11179,7 @@
                 </a:spcAft>
                 <a:defRPr/>
               </a:pPr>
-              <a:t>5/9/2015</a:t>
+              <a:t>5/10/2015</a:t>
             </a:fld>
             <a:endParaRPr lang="en-US" dirty="0">
               <a:solidFill>
@@ -8889,7 +12168,7 @@
                   </a:srgbClr>
                 </a:solidFill>
               </a:rPr>
-              <a:t>5/9/2015</a:t>
+              <a:t>5/10/2015</a:t>
             </a:fld>
             <a:endParaRPr lang="en-US" dirty="0">
               <a:solidFill>
@@ -9517,7 +12796,7 @@
                   </a:srgbClr>
                 </a:solidFill>
               </a:rPr>
-              <a:t>5/9/2015</a:t>
+              <a:t>5/10/2015</a:t>
             </a:fld>
             <a:endParaRPr lang="en-US" dirty="0">
               <a:solidFill>
@@ -9631,20 +12910,36 @@
           <a:lstStyle/>
           <a:p>
             <a:r>
-              <a:rPr lang="en-US" sz="2400" dirty="0" err="1">
+              <a:rPr lang="en-US" sz="2400" dirty="0" smtClean="0">
                 <a:solidFill>
                   <a:schemeClr val="tx2"/>
                 </a:solidFill>
               </a:rPr>
+              <a:t>&gt; </a:t>
+            </a:r>
+            <a:r>
+              <a:rPr lang="en-US" sz="2400" dirty="0" err="1" smtClean="0">
+                <a:solidFill>
+                  <a:schemeClr val="tx2"/>
+                </a:solidFill>
+              </a:rPr>
               <a:t>mdtranslator</a:t>
             </a:r>
             <a:r>
+              <a:rPr lang="en-US" sz="2400" dirty="0" smtClean="0">
+                <a:solidFill>
+                  <a:schemeClr val="tx2"/>
+                </a:solidFill>
+              </a:rPr>
+              <a:t> </a:t>
+            </a:r>
+            <a:r>
               <a:rPr lang="en-US" sz="2400" dirty="0">
                 <a:solidFill>
                   <a:schemeClr val="tx2"/>
                 </a:solidFill>
               </a:rPr>
-              <a:t> help translate</a:t>
+              <a:t>help translate</a:t>
             </a:r>
             <a:endParaRPr lang="en-US" sz="2400" dirty="0" smtClean="0">
               <a:solidFill>
@@ -10411,7 +13706,7 @@
                   </a:srgbClr>
                 </a:solidFill>
               </a:rPr>
-              <a:t>5/9/2015</a:t>
+              <a:t>5/10/2015</a:t>
             </a:fld>
             <a:endParaRPr lang="en-US" dirty="0">
               <a:solidFill>
@@ -10525,15 +13820,23 @@
           <a:lstStyle/>
           <a:p>
             <a:r>
-              <a:rPr lang="en-US" sz="2400" dirty="0" err="1">
+              <a:rPr lang="en-US" sz="2400" dirty="0" smtClean="0">
                 <a:solidFill>
                   <a:schemeClr val="tx2"/>
                 </a:solidFill>
               </a:rPr>
+              <a:t>&gt; </a:t>
+            </a:r>
+            <a:r>
+              <a:rPr lang="en-US" sz="2400" dirty="0" err="1" smtClean="0">
+                <a:solidFill>
+                  <a:schemeClr val="tx2"/>
+                </a:solidFill>
+              </a:rPr>
               <a:t>mdtranslator</a:t>
             </a:r>
             <a:r>
-              <a:rPr lang="en-US" sz="2400" dirty="0">
+              <a:rPr lang="en-US" sz="2400" dirty="0" smtClean="0">
                 <a:solidFill>
                   <a:schemeClr val="tx2"/>
                 </a:solidFill>
@@ -12345,7 +15648,7 @@
                   </a:srgbClr>
                 </a:solidFill>
               </a:rPr>
-              <a:t>5/9/2015</a:t>
+              <a:t>5/10/2015</a:t>
             </a:fld>
             <a:endParaRPr lang="en-US" dirty="0">
               <a:solidFill>
@@ -12511,6 +15814,205 @@
     <p:extLst>
       <p:ext uri="{BB962C8B-B14F-4D97-AF65-F5344CB8AC3E}">
         <p14:creationId xmlns:p14="http://schemas.microsoft.com/office/powerpoint/2010/main" val="4078442011"/>
+      </p:ext>
+    </p:extLst>
+  </p:cSld>
+  <p:clrMapOvr>
+    <a:masterClrMapping/>
+  </p:clrMapOvr>
+  <p:timing>
+    <p:tnLst>
+      <p:par>
+        <p:cTn id="1" dur="indefinite" restart="never" nodeType="tmRoot"/>
+      </p:par>
+    </p:tnLst>
+  </p:timing>
+</p:sld>
+</file>
+
+<file path=ppt/slides/slide6.xml><?xml version="1.0" encoding="utf-8"?>
+<p:sld xmlns:a="http://schemas.openxmlformats.org/drawingml/2006/main" xmlns:r="http://schemas.openxmlformats.org/officeDocument/2006/relationships" xmlns:p="http://schemas.openxmlformats.org/presentationml/2006/main">
+  <p:cSld>
+    <p:spTree>
+      <p:nvGrpSpPr>
+        <p:cNvPr id="1" name=""/>
+        <p:cNvGrpSpPr/>
+        <p:nvPr/>
+      </p:nvGrpSpPr>
+      <p:grpSpPr>
+        <a:xfrm>
+          <a:off x="0" y="0"/>
+          <a:ext cx="0" cy="0"/>
+          <a:chOff x="0" y="0"/>
+          <a:chExt cx="0" cy="0"/>
+        </a:xfrm>
+      </p:grpSpPr>
+      <p:sp>
+        <p:nvSpPr>
+          <p:cNvPr id="2" name="Title 1"/>
+          <p:cNvSpPr>
+            <a:spLocks noGrp="1"/>
+          </p:cNvSpPr>
+          <p:nvPr>
+            <p:ph type="title"/>
+          </p:nvPr>
+        </p:nvSpPr>
+        <p:spPr/>
+        <p:txBody>
+          <a:bodyPr/>
+          <a:lstStyle/>
+          <a:p>
+            <a:r>
+              <a:rPr lang="en-US" dirty="0" smtClean="0"/>
+              <a:t>Application Example</a:t>
+            </a:r>
+            <a:endParaRPr lang="en-US" dirty="0"/>
+          </a:p>
+        </p:txBody>
+      </p:sp>
+      <p:sp>
+        <p:nvSpPr>
+          <p:cNvPr id="4" name="Date Placeholder 3"/>
+          <p:cNvSpPr>
+            <a:spLocks noGrp="1"/>
+          </p:cNvSpPr>
+          <p:nvPr>
+            <p:ph type="dt" sz="half" idx="10"/>
+          </p:nvPr>
+        </p:nvSpPr>
+        <p:spPr/>
+        <p:txBody>
+          <a:bodyPr/>
+          <a:lstStyle/>
+          <a:p>
+            <a:pPr>
+              <a:defRPr/>
+            </a:pPr>
+            <a:fld id="{6C3DD7D0-7E54-4926-8269-92427B4182BC}" type="datetime1">
+              <a:rPr lang="en-US" smtClean="0">
+                <a:solidFill>
+                  <a:srgbClr val="04617B">
+                    <a:shade val="90000"/>
+                  </a:srgbClr>
+                </a:solidFill>
+              </a:rPr>
+              <a:t>5/10/2015</a:t>
+            </a:fld>
+            <a:endParaRPr lang="en-US" dirty="0">
+              <a:solidFill>
+                <a:srgbClr val="04617B">
+                  <a:shade val="90000"/>
+                </a:srgbClr>
+              </a:solidFill>
+            </a:endParaRPr>
+          </a:p>
+        </p:txBody>
+      </p:sp>
+      <p:sp>
+        <p:nvSpPr>
+          <p:cNvPr id="5" name="Footer Placeholder 4"/>
+          <p:cNvSpPr>
+            <a:spLocks noGrp="1"/>
+          </p:cNvSpPr>
+          <p:nvPr>
+            <p:ph type="ftr" sz="quarter" idx="11"/>
+          </p:nvPr>
+        </p:nvSpPr>
+        <p:spPr/>
+        <p:txBody>
+          <a:bodyPr/>
+          <a:lstStyle/>
+          <a:p>
+            <a:pPr>
+              <a:defRPr/>
+            </a:pPr>
+            <a:r>
+              <a:rPr lang="en-US" smtClean="0">
+                <a:solidFill>
+                  <a:srgbClr val="04617B">
+                    <a:shade val="90000"/>
+                  </a:srgbClr>
+                </a:solidFill>
+              </a:rPr>
+              <a:t>www.adiwg.org</a:t>
+            </a:r>
+            <a:endParaRPr lang="en-US" dirty="0" smtClean="0">
+              <a:solidFill>
+                <a:srgbClr val="04617B">
+                  <a:shade val="90000"/>
+                </a:srgbClr>
+              </a:solidFill>
+            </a:endParaRPr>
+          </a:p>
+        </p:txBody>
+      </p:sp>
+      <p:sp>
+        <p:nvSpPr>
+          <p:cNvPr id="6" name="Slide Number Placeholder 5"/>
+          <p:cNvSpPr>
+            <a:spLocks noGrp="1"/>
+          </p:cNvSpPr>
+          <p:nvPr>
+            <p:ph type="sldNum" sz="quarter" idx="12"/>
+          </p:nvPr>
+        </p:nvSpPr>
+        <p:spPr/>
+        <p:txBody>
+          <a:bodyPr/>
+          <a:lstStyle/>
+          <a:p>
+            <a:pPr>
+              <a:defRPr/>
+            </a:pPr>
+            <a:fld id="{D96B19B3-FA35-4262-952F-7D873B09162D}" type="slidenum">
+              <a:rPr lang="en-US" smtClean="0">
+                <a:solidFill>
+                  <a:srgbClr val="04617B">
+                    <a:shade val="90000"/>
+                  </a:srgbClr>
+                </a:solidFill>
+              </a:rPr>
+              <a:pPr>
+                <a:defRPr/>
+              </a:pPr>
+              <a:t>6</a:t>
+            </a:fld>
+            <a:endParaRPr lang="en-US" dirty="0">
+              <a:solidFill>
+                <a:srgbClr val="04617B">
+                  <a:shade val="90000"/>
+                </a:srgbClr>
+              </a:solidFill>
+            </a:endParaRPr>
+          </a:p>
+        </p:txBody>
+      </p:sp>
+      <p:graphicFrame>
+        <p:nvGraphicFramePr>
+          <p:cNvPr id="8" name="Diagram 7"/>
+          <p:cNvGraphicFramePr/>
+          <p:nvPr>
+            <p:extLst>
+              <p:ext uri="{D42A27DB-BD31-4B8C-83A1-F6EECF244321}">
+                <p14:modId xmlns:p14="http://schemas.microsoft.com/office/powerpoint/2010/main" val="4192271842"/>
+              </p:ext>
+            </p:extLst>
+          </p:nvPr>
+        </p:nvGraphicFramePr>
+        <p:xfrm>
+          <a:off x="304800" y="1219200"/>
+          <a:ext cx="8610600" cy="4724400"/>
+        </p:xfrm>
+        <a:graphic>
+          <a:graphicData uri="http://schemas.openxmlformats.org/drawingml/2006/diagram">
+            <dgm:relIds xmlns:dgm="http://schemas.openxmlformats.org/drawingml/2006/diagram" xmlns:r="http://schemas.openxmlformats.org/officeDocument/2006/relationships" r:dm="rId3" r:lo="rId4" r:qs="rId5" r:cs="rId6"/>
+          </a:graphicData>
+        </a:graphic>
+      </p:graphicFrame>
+    </p:spTree>
+    <p:extLst>
+      <p:ext uri="{BB962C8B-B14F-4D97-AF65-F5344CB8AC3E}">
+        <p14:creationId xmlns:p14="http://schemas.microsoft.com/office/powerpoint/2010/main" val="260847093"/>
       </p:ext>
     </p:extLst>
   </p:cSld>
